--- a/doc/Pacman.pptx
+++ b/doc/Pacman.pptx
@@ -4,6 +4,9 @@
   <p:sldMasterIdLst>
     <p:sldMasterId id="2147483648" r:id="rId1"/>
   </p:sldMasterIdLst>
+  <p:notesMasterIdLst>
+    <p:notesMasterId r:id="rId7"/>
+  </p:notesMasterIdLst>
   <p:sldIdLst>
     <p:sldId id="256" r:id="rId2"/>
     <p:sldId id="257" r:id="rId3"/>
@@ -108,7 +111,373 @@
       </a:defRPr>
     </a:lvl9pPr>
   </p:defaultTextStyle>
+  <p:extLst>
+    <p:ext uri="{EFAFB233-063F-42B5-8137-9DF3F51BA10A}">
+      <p15:sldGuideLst xmlns:p15="http://schemas.microsoft.com/office/powerpoint/2012/main">
+        <p15:guide id="1" orient="horz" pos="2160">
+          <p15:clr>
+            <a:srgbClr val="A4A3A4"/>
+          </p15:clr>
+        </p15:guide>
+        <p15:guide id="2" pos="2880">
+          <p15:clr>
+            <a:srgbClr val="A4A3A4"/>
+          </p15:clr>
+        </p15:guide>
+      </p15:sldGuideLst>
+    </p:ext>
+  </p:extLst>
 </p:presentation>
+</file>
+
+<file path=ppt/notesMasters/notesMaster1.xml><?xml version="1.0" encoding="utf-8"?>
+<p:notesMaster xmlns:a="http://schemas.openxmlformats.org/drawingml/2006/main" xmlns:r="http://schemas.openxmlformats.org/officeDocument/2006/relationships" xmlns:p="http://schemas.openxmlformats.org/presentationml/2006/main">
+  <p:cSld>
+    <p:bg>
+      <p:bgRef idx="1001">
+        <a:schemeClr val="bg1"/>
+      </p:bgRef>
+    </p:bg>
+    <p:spTree>
+      <p:nvGrpSpPr>
+        <p:cNvPr id="1" name=""/>
+        <p:cNvGrpSpPr/>
+        <p:nvPr/>
+      </p:nvGrpSpPr>
+      <p:grpSpPr>
+        <a:xfrm>
+          <a:off x="0" y="0"/>
+          <a:ext cx="0" cy="0"/>
+          <a:chOff x="0" y="0"/>
+          <a:chExt cx="0" cy="0"/>
+        </a:xfrm>
+      </p:grpSpPr>
+      <p:sp>
+        <p:nvSpPr>
+          <p:cNvPr id="2" name="Espace réservé de l'en-tête 1"/>
+          <p:cNvSpPr>
+            <a:spLocks noGrp="1"/>
+          </p:cNvSpPr>
+          <p:nvPr>
+            <p:ph type="hdr" sz="quarter"/>
+          </p:nvPr>
+        </p:nvSpPr>
+        <p:spPr>
+          <a:xfrm>
+            <a:off x="0" y="0"/>
+            <a:ext cx="2971800" cy="458788"/>
+          </a:xfrm>
+          <a:prstGeom prst="rect">
+            <a:avLst/>
+          </a:prstGeom>
+        </p:spPr>
+        <p:txBody>
+          <a:bodyPr vert="horz" lIns="91440" tIns="45720" rIns="91440" bIns="45720" rtlCol="0"/>
+          <a:lstStyle>
+            <a:lvl1pPr algn="l">
+              <a:defRPr sz="1200"/>
+            </a:lvl1pPr>
+          </a:lstStyle>
+          <a:p>
+            <a:endParaRPr lang="fr-CH"/>
+          </a:p>
+        </p:txBody>
+      </p:sp>
+      <p:sp>
+        <p:nvSpPr>
+          <p:cNvPr id="3" name="Espace réservé de la date 2"/>
+          <p:cNvSpPr>
+            <a:spLocks noGrp="1"/>
+          </p:cNvSpPr>
+          <p:nvPr>
+            <p:ph type="dt" idx="1"/>
+          </p:nvPr>
+        </p:nvSpPr>
+        <p:spPr>
+          <a:xfrm>
+            <a:off x="3884613" y="0"/>
+            <a:ext cx="2971800" cy="458788"/>
+          </a:xfrm>
+          <a:prstGeom prst="rect">
+            <a:avLst/>
+          </a:prstGeom>
+        </p:spPr>
+        <p:txBody>
+          <a:bodyPr vert="horz" lIns="91440" tIns="45720" rIns="91440" bIns="45720" rtlCol="0"/>
+          <a:lstStyle>
+            <a:lvl1pPr algn="r">
+              <a:defRPr sz="1200"/>
+            </a:lvl1pPr>
+          </a:lstStyle>
+          <a:p>
+            <a:fld id="{B8088BAC-CFD8-4BAD-BCC4-0E46B32FFA00}" type="datetimeFigureOut">
+              <a:rPr lang="fr-CH" smtClean="0"/>
+              <a:t>17.01.2017</a:t>
+            </a:fld>
+            <a:endParaRPr lang="fr-CH"/>
+          </a:p>
+        </p:txBody>
+      </p:sp>
+      <p:sp>
+        <p:nvSpPr>
+          <p:cNvPr id="4" name="Espace réservé de l'image des diapositives 3"/>
+          <p:cNvSpPr>
+            <a:spLocks noGrp="1" noRot="1" noChangeAspect="1"/>
+          </p:cNvSpPr>
+          <p:nvPr>
+            <p:ph type="sldImg" idx="2"/>
+          </p:nvPr>
+        </p:nvSpPr>
+        <p:spPr>
+          <a:xfrm>
+            <a:off x="1371600" y="1143000"/>
+            <a:ext cx="4114800" cy="3086100"/>
+          </a:xfrm>
+          <a:prstGeom prst="rect">
+            <a:avLst/>
+          </a:prstGeom>
+          <a:noFill/>
+          <a:ln w="12700">
+            <a:solidFill>
+              <a:prstClr val="black"/>
+            </a:solidFill>
+          </a:ln>
+        </p:spPr>
+        <p:txBody>
+          <a:bodyPr vert="horz" lIns="91440" tIns="45720" rIns="91440" bIns="45720" rtlCol="0" anchor="ctr"/>
+          <a:lstStyle/>
+          <a:p>
+            <a:endParaRPr lang="fr-CH"/>
+          </a:p>
+        </p:txBody>
+      </p:sp>
+      <p:sp>
+        <p:nvSpPr>
+          <p:cNvPr id="5" name="Espace réservé des notes 4"/>
+          <p:cNvSpPr>
+            <a:spLocks noGrp="1"/>
+          </p:cNvSpPr>
+          <p:nvPr>
+            <p:ph type="body" sz="quarter" idx="3"/>
+          </p:nvPr>
+        </p:nvSpPr>
+        <p:spPr>
+          <a:xfrm>
+            <a:off x="685800" y="4400550"/>
+            <a:ext cx="5486400" cy="3600450"/>
+          </a:xfrm>
+          <a:prstGeom prst="rect">
+            <a:avLst/>
+          </a:prstGeom>
+        </p:spPr>
+        <p:txBody>
+          <a:bodyPr vert="horz" lIns="91440" tIns="45720" rIns="91440" bIns="45720" rtlCol="0"/>
+          <a:lstStyle/>
+          <a:p>
+            <a:pPr lvl="0"/>
+            <a:r>
+              <a:rPr lang="fr-FR"/>
+              <a:t>Modifier les styles du texte du masque</a:t>
+            </a:r>
+          </a:p>
+          <a:p>
+            <a:pPr lvl="1"/>
+            <a:r>
+              <a:rPr lang="fr-FR"/>
+              <a:t>Deuxième niveau</a:t>
+            </a:r>
+          </a:p>
+          <a:p>
+            <a:pPr lvl="2"/>
+            <a:r>
+              <a:rPr lang="fr-FR"/>
+              <a:t>Troisième niveau</a:t>
+            </a:r>
+          </a:p>
+          <a:p>
+            <a:pPr lvl="3"/>
+            <a:r>
+              <a:rPr lang="fr-FR"/>
+              <a:t>Quatrième niveau</a:t>
+            </a:r>
+          </a:p>
+          <a:p>
+            <a:pPr lvl="4"/>
+            <a:r>
+              <a:rPr lang="fr-FR"/>
+              <a:t>Cinquième niveau</a:t>
+            </a:r>
+            <a:endParaRPr lang="fr-CH"/>
+          </a:p>
+        </p:txBody>
+      </p:sp>
+      <p:sp>
+        <p:nvSpPr>
+          <p:cNvPr id="6" name="Espace réservé du pied de page 5"/>
+          <p:cNvSpPr>
+            <a:spLocks noGrp="1"/>
+          </p:cNvSpPr>
+          <p:nvPr>
+            <p:ph type="ftr" sz="quarter" idx="4"/>
+          </p:nvPr>
+        </p:nvSpPr>
+        <p:spPr>
+          <a:xfrm>
+            <a:off x="0" y="8685213"/>
+            <a:ext cx="2971800" cy="458787"/>
+          </a:xfrm>
+          <a:prstGeom prst="rect">
+            <a:avLst/>
+          </a:prstGeom>
+        </p:spPr>
+        <p:txBody>
+          <a:bodyPr vert="horz" lIns="91440" tIns="45720" rIns="91440" bIns="45720" rtlCol="0" anchor="b"/>
+          <a:lstStyle>
+            <a:lvl1pPr algn="l">
+              <a:defRPr sz="1200"/>
+            </a:lvl1pPr>
+          </a:lstStyle>
+          <a:p>
+            <a:endParaRPr lang="fr-CH"/>
+          </a:p>
+        </p:txBody>
+      </p:sp>
+      <p:sp>
+        <p:nvSpPr>
+          <p:cNvPr id="7" name="Espace réservé du numéro de diapositive 6"/>
+          <p:cNvSpPr>
+            <a:spLocks noGrp="1"/>
+          </p:cNvSpPr>
+          <p:nvPr>
+            <p:ph type="sldNum" sz="quarter" idx="5"/>
+          </p:nvPr>
+        </p:nvSpPr>
+        <p:spPr>
+          <a:xfrm>
+            <a:off x="3884613" y="8685213"/>
+            <a:ext cx="2971800" cy="458787"/>
+          </a:xfrm>
+          <a:prstGeom prst="rect">
+            <a:avLst/>
+          </a:prstGeom>
+        </p:spPr>
+        <p:txBody>
+          <a:bodyPr vert="horz" lIns="91440" tIns="45720" rIns="91440" bIns="45720" rtlCol="0" anchor="b"/>
+          <a:lstStyle>
+            <a:lvl1pPr algn="r">
+              <a:defRPr sz="1200"/>
+            </a:lvl1pPr>
+          </a:lstStyle>
+          <a:p>
+            <a:fld id="{FFBC73A9-4512-4C82-955B-820E2BE2E4F4}" type="slidenum">
+              <a:rPr lang="fr-CH" smtClean="0"/>
+              <a:t>‹N°›</a:t>
+            </a:fld>
+            <a:endParaRPr lang="fr-CH"/>
+          </a:p>
+        </p:txBody>
+      </p:sp>
+    </p:spTree>
+    <p:extLst>
+      <p:ext uri="{BB962C8B-B14F-4D97-AF65-F5344CB8AC3E}">
+        <p14:creationId xmlns:p14="http://schemas.microsoft.com/office/powerpoint/2010/main" val="3563314623"/>
+      </p:ext>
+    </p:extLst>
+  </p:cSld>
+  <p:clrMap bg1="lt1" tx1="dk1" bg2="lt2" tx2="dk2" accent1="accent1" accent2="accent2" accent3="accent3" accent4="accent4" accent5="accent5" accent6="accent6" hlink="hlink" folHlink="folHlink"/>
+  <p:notesStyle>
+    <a:lvl1pPr marL="0" algn="l" defTabSz="914400" rtl="0" eaLnBrk="1" latinLnBrk="0" hangingPunct="1">
+      <a:defRPr sz="1200" kern="1200">
+        <a:solidFill>
+          <a:schemeClr val="tx1"/>
+        </a:solidFill>
+        <a:latin typeface="+mn-lt"/>
+        <a:ea typeface="+mn-ea"/>
+        <a:cs typeface="+mn-cs"/>
+      </a:defRPr>
+    </a:lvl1pPr>
+    <a:lvl2pPr marL="457200" algn="l" defTabSz="914400" rtl="0" eaLnBrk="1" latinLnBrk="0" hangingPunct="1">
+      <a:defRPr sz="1200" kern="1200">
+        <a:solidFill>
+          <a:schemeClr val="tx1"/>
+        </a:solidFill>
+        <a:latin typeface="+mn-lt"/>
+        <a:ea typeface="+mn-ea"/>
+        <a:cs typeface="+mn-cs"/>
+      </a:defRPr>
+    </a:lvl2pPr>
+    <a:lvl3pPr marL="914400" algn="l" defTabSz="914400" rtl="0" eaLnBrk="1" latinLnBrk="0" hangingPunct="1">
+      <a:defRPr sz="1200" kern="1200">
+        <a:solidFill>
+          <a:schemeClr val="tx1"/>
+        </a:solidFill>
+        <a:latin typeface="+mn-lt"/>
+        <a:ea typeface="+mn-ea"/>
+        <a:cs typeface="+mn-cs"/>
+      </a:defRPr>
+    </a:lvl3pPr>
+    <a:lvl4pPr marL="1371600" algn="l" defTabSz="914400" rtl="0" eaLnBrk="1" latinLnBrk="0" hangingPunct="1">
+      <a:defRPr sz="1200" kern="1200">
+        <a:solidFill>
+          <a:schemeClr val="tx1"/>
+        </a:solidFill>
+        <a:latin typeface="+mn-lt"/>
+        <a:ea typeface="+mn-ea"/>
+        <a:cs typeface="+mn-cs"/>
+      </a:defRPr>
+    </a:lvl4pPr>
+    <a:lvl5pPr marL="1828800" algn="l" defTabSz="914400" rtl="0" eaLnBrk="1" latinLnBrk="0" hangingPunct="1">
+      <a:defRPr sz="1200" kern="1200">
+        <a:solidFill>
+          <a:schemeClr val="tx1"/>
+        </a:solidFill>
+        <a:latin typeface="+mn-lt"/>
+        <a:ea typeface="+mn-ea"/>
+        <a:cs typeface="+mn-cs"/>
+      </a:defRPr>
+    </a:lvl5pPr>
+    <a:lvl6pPr marL="2286000" algn="l" defTabSz="914400" rtl="0" eaLnBrk="1" latinLnBrk="0" hangingPunct="1">
+      <a:defRPr sz="1200" kern="1200">
+        <a:solidFill>
+          <a:schemeClr val="tx1"/>
+        </a:solidFill>
+        <a:latin typeface="+mn-lt"/>
+        <a:ea typeface="+mn-ea"/>
+        <a:cs typeface="+mn-cs"/>
+      </a:defRPr>
+    </a:lvl6pPr>
+    <a:lvl7pPr marL="2743200" algn="l" defTabSz="914400" rtl="0" eaLnBrk="1" latinLnBrk="0" hangingPunct="1">
+      <a:defRPr sz="1200" kern="1200">
+        <a:solidFill>
+          <a:schemeClr val="tx1"/>
+        </a:solidFill>
+        <a:latin typeface="+mn-lt"/>
+        <a:ea typeface="+mn-ea"/>
+        <a:cs typeface="+mn-cs"/>
+      </a:defRPr>
+    </a:lvl7pPr>
+    <a:lvl8pPr marL="3200400" algn="l" defTabSz="914400" rtl="0" eaLnBrk="1" latinLnBrk="0" hangingPunct="1">
+      <a:defRPr sz="1200" kern="1200">
+        <a:solidFill>
+          <a:schemeClr val="tx1"/>
+        </a:solidFill>
+        <a:latin typeface="+mn-lt"/>
+        <a:ea typeface="+mn-ea"/>
+        <a:cs typeface="+mn-cs"/>
+      </a:defRPr>
+    </a:lvl8pPr>
+    <a:lvl9pPr marL="3657600" algn="l" defTabSz="914400" rtl="0" eaLnBrk="1" latinLnBrk="0" hangingPunct="1">
+      <a:defRPr sz="1200" kern="1200">
+        <a:solidFill>
+          <a:schemeClr val="tx1"/>
+        </a:solidFill>
+        <a:latin typeface="+mn-lt"/>
+        <a:ea typeface="+mn-ea"/>
+        <a:cs typeface="+mn-cs"/>
+      </a:defRPr>
+    </a:lvl9pPr>
+  </p:notesStyle>
+</p:notesMaster>
 </file>
 
 <file path=ppt/slideLayouts/slideLayout1.xml><?xml version="1.0" encoding="utf-8"?>
@@ -198,35 +567,35 @@
           <a:p>
             <a:pPr lvl="0"/>
             <a:r>
-              <a:rPr lang="fr-FR" dirty="0" smtClean="0"/>
+              <a:rPr lang="fr-FR" dirty="0"/>
               <a:t>Modifiez les styles du texte du masque</a:t>
             </a:r>
           </a:p>
           <a:p>
             <a:pPr lvl="1"/>
             <a:r>
-              <a:rPr lang="fr-FR" dirty="0" smtClean="0"/>
+              <a:rPr lang="fr-FR" dirty="0"/>
               <a:t>Deuxième niveau</a:t>
             </a:r>
           </a:p>
           <a:p>
             <a:pPr lvl="2"/>
             <a:r>
-              <a:rPr lang="fr-FR" dirty="0" smtClean="0"/>
+              <a:rPr lang="fr-FR" dirty="0"/>
               <a:t>Troisième niveau</a:t>
             </a:r>
           </a:p>
           <a:p>
             <a:pPr lvl="3"/>
             <a:r>
-              <a:rPr lang="fr-FR" dirty="0" smtClean="0"/>
+              <a:rPr lang="fr-FR" dirty="0"/>
               <a:t>Quatrième niveau</a:t>
             </a:r>
           </a:p>
           <a:p>
             <a:pPr lvl="4"/>
             <a:r>
-              <a:rPr lang="fr-FR" dirty="0" smtClean="0"/>
+              <a:rPr lang="fr-FR" dirty="0"/>
               <a:t>Cinquième niveau</a:t>
             </a:r>
             <a:endParaRPr lang="fr-CH" dirty="0"/>
@@ -358,13 +727,6 @@
   <p:clrMapOvr>
     <a:masterClrMapping/>
   </p:clrMapOvr>
-  <p:timing>
-    <p:tnLst>
-      <p:par>
-        <p:cTn id="1" dur="indefinite" restart="never" nodeType="tmRoot"/>
-      </p:par>
-    </p:tnLst>
-  </p:timing>
 </p:sldLayout>
 </file>
 
@@ -401,7 +763,7 @@
           <a:lstStyle/>
           <a:p>
             <a:r>
-              <a:rPr lang="fr-FR" smtClean="0"/>
+              <a:rPr lang="fr-FR"/>
               <a:t>Modifiez le style du titre</a:t>
             </a:r>
             <a:endParaRPr lang="fr-CH"/>
@@ -425,35 +787,35 @@
           <a:p>
             <a:pPr lvl="0"/>
             <a:r>
-              <a:rPr lang="fr-FR" smtClean="0"/>
+              <a:rPr lang="fr-FR"/>
               <a:t>Modifiez les styles du texte du masque</a:t>
             </a:r>
           </a:p>
           <a:p>
             <a:pPr lvl="1"/>
             <a:r>
-              <a:rPr lang="fr-FR" smtClean="0"/>
+              <a:rPr lang="fr-FR"/>
               <a:t>Deuxième niveau</a:t>
             </a:r>
           </a:p>
           <a:p>
             <a:pPr lvl="2"/>
             <a:r>
-              <a:rPr lang="fr-FR" smtClean="0"/>
+              <a:rPr lang="fr-FR"/>
               <a:t>Troisième niveau</a:t>
             </a:r>
           </a:p>
           <a:p>
             <a:pPr lvl="3"/>
             <a:r>
-              <a:rPr lang="fr-FR" smtClean="0"/>
+              <a:rPr lang="fr-FR"/>
               <a:t>Quatrième niveau</a:t>
             </a:r>
           </a:p>
           <a:p>
             <a:pPr lvl="4"/>
             <a:r>
-              <a:rPr lang="fr-FR" smtClean="0"/>
+              <a:rPr lang="fr-FR"/>
               <a:t>Cinquième niveau</a:t>
             </a:r>
             <a:endParaRPr lang="fr-CH"/>
@@ -576,7 +938,7 @@
           <a:lstStyle/>
           <a:p>
             <a:r>
-              <a:rPr lang="fr-FR" smtClean="0"/>
+              <a:rPr lang="fr-FR"/>
               <a:t>Modifiez le style du titre</a:t>
             </a:r>
             <a:endParaRPr lang="fr-CH"/>
@@ -605,35 +967,35 @@
           <a:p>
             <a:pPr lvl="0"/>
             <a:r>
-              <a:rPr lang="fr-FR" smtClean="0"/>
+              <a:rPr lang="fr-FR"/>
               <a:t>Modifiez les styles du texte du masque</a:t>
             </a:r>
           </a:p>
           <a:p>
             <a:pPr lvl="1"/>
             <a:r>
-              <a:rPr lang="fr-FR" smtClean="0"/>
+              <a:rPr lang="fr-FR"/>
               <a:t>Deuxième niveau</a:t>
             </a:r>
           </a:p>
           <a:p>
             <a:pPr lvl="2"/>
             <a:r>
-              <a:rPr lang="fr-FR" smtClean="0"/>
+              <a:rPr lang="fr-FR"/>
               <a:t>Troisième niveau</a:t>
             </a:r>
           </a:p>
           <a:p>
             <a:pPr lvl="3"/>
             <a:r>
-              <a:rPr lang="fr-FR" smtClean="0"/>
+              <a:rPr lang="fr-FR"/>
               <a:t>Quatrième niveau</a:t>
             </a:r>
           </a:p>
           <a:p>
             <a:pPr lvl="4"/>
             <a:r>
-              <a:rPr lang="fr-FR" smtClean="0"/>
+              <a:rPr lang="fr-FR"/>
               <a:t>Cinquième niveau</a:t>
             </a:r>
             <a:endParaRPr lang="fr-CH"/>
@@ -751,7 +1113,7 @@
           <a:lstStyle/>
           <a:p>
             <a:r>
-              <a:rPr lang="fr-FR" smtClean="0"/>
+              <a:rPr lang="fr-FR"/>
               <a:t>Modifiez le style du titre</a:t>
             </a:r>
             <a:endParaRPr lang="fr-CH"/>
@@ -775,35 +1137,35 @@
           <a:p>
             <a:pPr lvl="0"/>
             <a:r>
-              <a:rPr lang="fr-FR" smtClean="0"/>
+              <a:rPr lang="fr-FR"/>
               <a:t>Modifiez les styles du texte du masque</a:t>
             </a:r>
           </a:p>
           <a:p>
             <a:pPr lvl="1"/>
             <a:r>
-              <a:rPr lang="fr-FR" smtClean="0"/>
+              <a:rPr lang="fr-FR"/>
               <a:t>Deuxième niveau</a:t>
             </a:r>
           </a:p>
           <a:p>
             <a:pPr lvl="2"/>
             <a:r>
-              <a:rPr lang="fr-FR" smtClean="0"/>
+              <a:rPr lang="fr-FR"/>
               <a:t>Troisième niveau</a:t>
             </a:r>
           </a:p>
           <a:p>
             <a:pPr lvl="3"/>
             <a:r>
-              <a:rPr lang="fr-FR" smtClean="0"/>
+              <a:rPr lang="fr-FR"/>
               <a:t>Quatrième niveau</a:t>
             </a:r>
           </a:p>
           <a:p>
             <a:pPr lvl="4"/>
             <a:r>
-              <a:rPr lang="fr-FR" smtClean="0"/>
+              <a:rPr lang="fr-FR"/>
               <a:t>Cinquième niveau</a:t>
             </a:r>
             <a:endParaRPr lang="fr-CH"/>
@@ -885,13 +1247,6 @@
   <p:clrMapOvr>
     <a:masterClrMapping/>
   </p:clrMapOvr>
-  <p:timing>
-    <p:tnLst>
-      <p:par>
-        <p:cTn id="1" dur="indefinite" restart="never" nodeType="tmRoot"/>
-      </p:par>
-    </p:tnLst>
-  </p:timing>
 </p:sldLayout>
 </file>
 
@@ -937,7 +1292,7 @@
           </a:lstStyle>
           <a:p>
             <a:r>
-              <a:rPr lang="fr-FR" smtClean="0"/>
+              <a:rPr lang="fr-FR"/>
               <a:t>Modifiez le style du titre</a:t>
             </a:r>
             <a:endParaRPr lang="fr-CH"/>
@@ -1057,7 +1412,7 @@
           <a:p>
             <a:pPr lvl="0"/>
             <a:r>
-              <a:rPr lang="fr-FR" smtClean="0"/>
+              <a:rPr lang="fr-FR"/>
               <a:t>Modifiez les styles du texte du masque</a:t>
             </a:r>
           </a:p>
@@ -1138,13 +1493,6 @@
   <p:clrMapOvr>
     <a:masterClrMapping/>
   </p:clrMapOvr>
-  <p:timing>
-    <p:tnLst>
-      <p:par>
-        <p:cTn id="1" dur="indefinite" restart="never" nodeType="tmRoot"/>
-      </p:par>
-    </p:tnLst>
-  </p:timing>
 </p:sldLayout>
 </file>
 
@@ -1181,7 +1529,7 @@
           <a:lstStyle/>
           <a:p>
             <a:r>
-              <a:rPr lang="fr-FR" smtClean="0"/>
+              <a:rPr lang="fr-FR"/>
               <a:t>Modifiez le style du titre</a:t>
             </a:r>
             <a:endParaRPr lang="fr-CH"/>
@@ -1238,35 +1586,35 @@
           <a:p>
             <a:pPr lvl="0"/>
             <a:r>
-              <a:rPr lang="fr-FR" smtClean="0"/>
+              <a:rPr lang="fr-FR"/>
               <a:t>Modifiez les styles du texte du masque</a:t>
             </a:r>
           </a:p>
           <a:p>
             <a:pPr lvl="1"/>
             <a:r>
-              <a:rPr lang="fr-FR" smtClean="0"/>
+              <a:rPr lang="fr-FR"/>
               <a:t>Deuxième niveau</a:t>
             </a:r>
           </a:p>
           <a:p>
             <a:pPr lvl="2"/>
             <a:r>
-              <a:rPr lang="fr-FR" smtClean="0"/>
+              <a:rPr lang="fr-FR"/>
               <a:t>Troisième niveau</a:t>
             </a:r>
           </a:p>
           <a:p>
             <a:pPr lvl="3"/>
             <a:r>
-              <a:rPr lang="fr-FR" smtClean="0"/>
+              <a:rPr lang="fr-FR"/>
               <a:t>Quatrième niveau</a:t>
             </a:r>
           </a:p>
           <a:p>
             <a:pPr lvl="4"/>
             <a:r>
-              <a:rPr lang="fr-FR" smtClean="0"/>
+              <a:rPr lang="fr-FR"/>
               <a:t>Cinquième niveau</a:t>
             </a:r>
             <a:endParaRPr lang="fr-CH"/>
@@ -1323,35 +1671,35 @@
           <a:p>
             <a:pPr lvl="0"/>
             <a:r>
-              <a:rPr lang="fr-FR" smtClean="0"/>
+              <a:rPr lang="fr-FR"/>
               <a:t>Modifiez les styles du texte du masque</a:t>
             </a:r>
           </a:p>
           <a:p>
             <a:pPr lvl="1"/>
             <a:r>
-              <a:rPr lang="fr-FR" smtClean="0"/>
+              <a:rPr lang="fr-FR"/>
               <a:t>Deuxième niveau</a:t>
             </a:r>
           </a:p>
           <a:p>
             <a:pPr lvl="2"/>
             <a:r>
-              <a:rPr lang="fr-FR" smtClean="0"/>
+              <a:rPr lang="fr-FR"/>
               <a:t>Troisième niveau</a:t>
             </a:r>
           </a:p>
           <a:p>
             <a:pPr lvl="3"/>
             <a:r>
-              <a:rPr lang="fr-FR" smtClean="0"/>
+              <a:rPr lang="fr-FR"/>
               <a:t>Quatrième niveau</a:t>
             </a:r>
           </a:p>
           <a:p>
             <a:pPr lvl="4"/>
             <a:r>
-              <a:rPr lang="fr-FR" smtClean="0"/>
+              <a:rPr lang="fr-FR"/>
               <a:t>Cinquième niveau</a:t>
             </a:r>
             <a:endParaRPr lang="fr-CH"/>
@@ -1433,13 +1781,6 @@
   <p:clrMapOvr>
     <a:masterClrMapping/>
   </p:clrMapOvr>
-  <p:timing>
-    <p:tnLst>
-      <p:par>
-        <p:cTn id="1" dur="indefinite" restart="never" nodeType="tmRoot"/>
-      </p:par>
-    </p:tnLst>
-  </p:timing>
 </p:sldLayout>
 </file>
 
@@ -1480,7 +1821,7 @@
           </a:lstStyle>
           <a:p>
             <a:r>
-              <a:rPr lang="fr-FR" smtClean="0"/>
+              <a:rPr lang="fr-FR"/>
               <a:t>Modifiez le style du titre</a:t>
             </a:r>
             <a:endParaRPr lang="fr-CH"/>
@@ -1546,7 +1887,7 @@
           <a:p>
             <a:pPr lvl="0"/>
             <a:r>
-              <a:rPr lang="fr-FR" smtClean="0"/>
+              <a:rPr lang="fr-FR"/>
               <a:t>Modifiez les styles du texte du masque</a:t>
             </a:r>
           </a:p>
@@ -1602,35 +1943,35 @@
           <a:p>
             <a:pPr lvl="0"/>
             <a:r>
-              <a:rPr lang="fr-FR" smtClean="0"/>
+              <a:rPr lang="fr-FR"/>
               <a:t>Modifiez les styles du texte du masque</a:t>
             </a:r>
           </a:p>
           <a:p>
             <a:pPr lvl="1"/>
             <a:r>
-              <a:rPr lang="fr-FR" smtClean="0"/>
+              <a:rPr lang="fr-FR"/>
               <a:t>Deuxième niveau</a:t>
             </a:r>
           </a:p>
           <a:p>
             <a:pPr lvl="2"/>
             <a:r>
-              <a:rPr lang="fr-FR" smtClean="0"/>
+              <a:rPr lang="fr-FR"/>
               <a:t>Troisième niveau</a:t>
             </a:r>
           </a:p>
           <a:p>
             <a:pPr lvl="3"/>
             <a:r>
-              <a:rPr lang="fr-FR" smtClean="0"/>
+              <a:rPr lang="fr-FR"/>
               <a:t>Quatrième niveau</a:t>
             </a:r>
           </a:p>
           <a:p>
             <a:pPr lvl="4"/>
             <a:r>
-              <a:rPr lang="fr-FR" smtClean="0"/>
+              <a:rPr lang="fr-FR"/>
               <a:t>Cinquième niveau</a:t>
             </a:r>
             <a:endParaRPr lang="fr-CH"/>
@@ -1696,7 +2037,7 @@
           <a:p>
             <a:pPr lvl="0"/>
             <a:r>
-              <a:rPr lang="fr-FR" smtClean="0"/>
+              <a:rPr lang="fr-FR"/>
               <a:t>Modifiez les styles du texte du masque</a:t>
             </a:r>
           </a:p>
@@ -1752,35 +2093,35 @@
           <a:p>
             <a:pPr lvl="0"/>
             <a:r>
-              <a:rPr lang="fr-FR" smtClean="0"/>
+              <a:rPr lang="fr-FR"/>
               <a:t>Modifiez les styles du texte du masque</a:t>
             </a:r>
           </a:p>
           <a:p>
             <a:pPr lvl="1"/>
             <a:r>
-              <a:rPr lang="fr-FR" smtClean="0"/>
+              <a:rPr lang="fr-FR"/>
               <a:t>Deuxième niveau</a:t>
             </a:r>
           </a:p>
           <a:p>
             <a:pPr lvl="2"/>
             <a:r>
-              <a:rPr lang="fr-FR" smtClean="0"/>
+              <a:rPr lang="fr-FR"/>
               <a:t>Troisième niveau</a:t>
             </a:r>
           </a:p>
           <a:p>
             <a:pPr lvl="3"/>
             <a:r>
-              <a:rPr lang="fr-FR" smtClean="0"/>
+              <a:rPr lang="fr-FR"/>
               <a:t>Quatrième niveau</a:t>
             </a:r>
           </a:p>
           <a:p>
             <a:pPr lvl="4"/>
             <a:r>
-              <a:rPr lang="fr-FR" smtClean="0"/>
+              <a:rPr lang="fr-FR"/>
               <a:t>Cinquième niveau</a:t>
             </a:r>
             <a:endParaRPr lang="fr-CH"/>
@@ -1862,13 +2203,6 @@
   <p:clrMapOvr>
     <a:masterClrMapping/>
   </p:clrMapOvr>
-  <p:timing>
-    <p:tnLst>
-      <p:par>
-        <p:cTn id="1" dur="indefinite" restart="never" nodeType="tmRoot"/>
-      </p:par>
-    </p:tnLst>
-  </p:timing>
 </p:sldLayout>
 </file>
 
@@ -1905,7 +2239,7 @@
           <a:lstStyle/>
           <a:p>
             <a:r>
-              <a:rPr lang="fr-FR" smtClean="0"/>
+              <a:rPr lang="fr-FR"/>
               <a:t>Modifiez le style du titre</a:t>
             </a:r>
             <a:endParaRPr lang="fr-CH"/>
@@ -2127,7 +2461,7 @@
           </a:lstStyle>
           <a:p>
             <a:r>
-              <a:rPr lang="fr-FR" smtClean="0"/>
+              <a:rPr lang="fr-FR"/>
               <a:t>Modifiez le style du titre</a:t>
             </a:r>
             <a:endParaRPr lang="fr-CH"/>
@@ -2184,35 +2518,35 @@
           <a:p>
             <a:pPr lvl="0"/>
             <a:r>
-              <a:rPr lang="fr-FR" smtClean="0"/>
+              <a:rPr lang="fr-FR"/>
               <a:t>Modifiez les styles du texte du masque</a:t>
             </a:r>
           </a:p>
           <a:p>
             <a:pPr lvl="1"/>
             <a:r>
-              <a:rPr lang="fr-FR" smtClean="0"/>
+              <a:rPr lang="fr-FR"/>
               <a:t>Deuxième niveau</a:t>
             </a:r>
           </a:p>
           <a:p>
             <a:pPr lvl="2"/>
             <a:r>
-              <a:rPr lang="fr-FR" smtClean="0"/>
+              <a:rPr lang="fr-FR"/>
               <a:t>Troisième niveau</a:t>
             </a:r>
           </a:p>
           <a:p>
             <a:pPr lvl="3"/>
             <a:r>
-              <a:rPr lang="fr-FR" smtClean="0"/>
+              <a:rPr lang="fr-FR"/>
               <a:t>Quatrième niveau</a:t>
             </a:r>
           </a:p>
           <a:p>
             <a:pPr lvl="4"/>
             <a:r>
-              <a:rPr lang="fr-FR" smtClean="0"/>
+              <a:rPr lang="fr-FR"/>
               <a:t>Cinquième niveau</a:t>
             </a:r>
             <a:endParaRPr lang="fr-CH"/>
@@ -2278,7 +2612,7 @@
           <a:p>
             <a:pPr lvl="0"/>
             <a:r>
-              <a:rPr lang="fr-FR" smtClean="0"/>
+              <a:rPr lang="fr-FR"/>
               <a:t>Modifiez les styles du texte du masque</a:t>
             </a:r>
           </a:p>
@@ -2404,7 +2738,7 @@
           </a:lstStyle>
           <a:p>
             <a:r>
-              <a:rPr lang="fr-FR" smtClean="0"/>
+              <a:rPr lang="fr-FR"/>
               <a:t>Modifiez le style du titre</a:t>
             </a:r>
             <a:endParaRPr lang="fr-CH"/>
@@ -2531,7 +2865,7 @@
           <a:p>
             <a:pPr lvl="0"/>
             <a:r>
-              <a:rPr lang="fr-FR" smtClean="0"/>
+              <a:rPr lang="fr-FR"/>
               <a:t>Modifiez les styles du texte du masque</a:t>
             </a:r>
           </a:p>
@@ -2746,7 +3080,7 @@
           <a:lstStyle/>
           <a:p>
             <a:r>
-              <a:rPr lang="fr-FR" dirty="0" smtClean="0"/>
+              <a:rPr lang="fr-FR" dirty="0"/>
               <a:t>Modifiez le style du titre</a:t>
             </a:r>
             <a:endParaRPr lang="fr-CH" dirty="0"/>
@@ -2780,35 +3114,35 @@
           <a:p>
             <a:pPr lvl="0"/>
             <a:r>
-              <a:rPr lang="fr-FR" dirty="0" smtClean="0"/>
+              <a:rPr lang="fr-FR" dirty="0"/>
               <a:t>Modifiez les styles du texte du masque</a:t>
             </a:r>
           </a:p>
           <a:p>
             <a:pPr lvl="1"/>
             <a:r>
-              <a:rPr lang="fr-FR" dirty="0" smtClean="0"/>
+              <a:rPr lang="fr-FR" dirty="0"/>
               <a:t>Deuxième niveau</a:t>
             </a:r>
           </a:p>
           <a:p>
             <a:pPr lvl="2"/>
             <a:r>
-              <a:rPr lang="fr-FR" dirty="0" smtClean="0"/>
+              <a:rPr lang="fr-FR" dirty="0"/>
               <a:t>Troisième niveau</a:t>
             </a:r>
           </a:p>
           <a:p>
             <a:pPr lvl="3"/>
             <a:r>
-              <a:rPr lang="fr-FR" dirty="0" smtClean="0"/>
+              <a:rPr lang="fr-FR" dirty="0"/>
               <a:t>Quatrième niveau</a:t>
             </a:r>
           </a:p>
           <a:p>
             <a:pPr lvl="4"/>
             <a:r>
-              <a:rPr lang="fr-FR" dirty="0" smtClean="0"/>
+              <a:rPr lang="fr-FR" dirty="0"/>
               <a:t>Cinquième niveau</a:t>
             </a:r>
             <a:endParaRPr lang="fr-CH" dirty="0"/>
@@ -2951,13 +3285,6 @@
     <p:sldLayoutId id="2147483658" r:id="rId10"/>
     <p:sldLayoutId id="2147483659" r:id="rId11"/>
   </p:sldLayoutIdLst>
-  <p:timing>
-    <p:tnLst>
-      <p:par>
-        <p:cTn id="1" dur="indefinite" restart="never" nodeType="tmRoot"/>
-      </p:par>
-    </p:tnLst>
-  </p:timing>
   <p:txStyles>
     <p:titleStyle>
       <a:lvl1pPr algn="ctr" defTabSz="914400" rtl="0" eaLnBrk="1" latinLnBrk="0" hangingPunct="1">
@@ -3246,7 +3573,7 @@
           <a:lstStyle/>
           <a:p>
             <a:r>
-              <a:rPr lang="fr-FR" sz="7300" spc="600" dirty="0" err="1" smtClean="0">
+              <a:rPr lang="fr-FR" sz="7300" spc="600" dirty="0" err="1">
                 <a:effectLst>
                   <a:outerShdw blurRad="60007" dist="200025" dir="15000000" sy="30000" kx="-1800000" algn="bl" rotWithShape="0">
                     <a:prstClr val="black">
@@ -3298,39 +3625,39 @@
           <a:lstStyle/>
           <a:p>
             <a:r>
-              <a:rPr lang="fr-FR" sz="3600" i="1" u="sng" dirty="0" smtClean="0">
+              <a:rPr lang="fr-FR" sz="3600" i="1" u="sng" dirty="0">
                 <a:latin typeface="Adobe Caslon Pro Bold" pitchFamily="18" charset="0"/>
               </a:rPr>
               <a:t>Table des matières</a:t>
             </a:r>
             <a:r>
-              <a:rPr lang="fr-FR" dirty="0" smtClean="0">
+              <a:rPr lang="fr-FR" dirty="0">
                 <a:latin typeface="Adobe Caslon Pro Bold" pitchFamily="18" charset="0"/>
               </a:rPr>
               <a:t>:</a:t>
             </a:r>
           </a:p>
           <a:p>
-            <a:endParaRPr lang="fr-FR" dirty="0" smtClean="0">
+            <a:endParaRPr lang="fr-FR" dirty="0">
               <a:latin typeface="Adobe Caslon Pro Bold" pitchFamily="18" charset="0"/>
             </a:endParaRPr>
           </a:p>
           <a:p>
             <a:pPr marL="1793875" lvl="3" indent="-541338"/>
             <a:r>
-              <a:rPr lang="fr-FR" sz="3200" dirty="0" smtClean="0">
+              <a:rPr lang="fr-FR" sz="3200" dirty="0">
                 <a:latin typeface="Adobe Caslon Pro Bold" pitchFamily="18" charset="0"/>
               </a:rPr>
               <a:t>Pourquoi </a:t>
             </a:r>
             <a:r>
-              <a:rPr lang="fr-FR" sz="3200" dirty="0" err="1" smtClean="0">
+              <a:rPr lang="fr-FR" sz="3200" dirty="0" err="1">
                 <a:latin typeface="Adobe Caslon Pro Bold" pitchFamily="18" charset="0"/>
               </a:rPr>
               <a:t>Pacman</a:t>
             </a:r>
             <a:r>
-              <a:rPr lang="fr-FR" sz="3200" dirty="0" smtClean="0">
+              <a:rPr lang="fr-FR" sz="3200" dirty="0">
                 <a:latin typeface="Adobe Caslon Pro Bold" pitchFamily="18" charset="0"/>
               </a:rPr>
               <a:t>?</a:t>
@@ -3339,7 +3666,7 @@
           <a:p>
             <a:pPr marL="1793875" lvl="3" indent="-541338"/>
             <a:r>
-              <a:rPr lang="fr-FR" sz="3200" dirty="0" smtClean="0">
+              <a:rPr lang="fr-FR" sz="3200" dirty="0">
                 <a:latin typeface="Adobe Caslon Pro Bold" pitchFamily="18" charset="0"/>
               </a:rPr>
               <a:t>Difficultés</a:t>
@@ -3348,7 +3675,7 @@
           <a:p>
             <a:pPr marL="1793875" lvl="3" indent="-541338"/>
             <a:r>
-              <a:rPr lang="fr-FR" sz="3200" dirty="0" smtClean="0">
+              <a:rPr lang="fr-FR" sz="3200" dirty="0">
                 <a:latin typeface="Adobe Caslon Pro Bold" pitchFamily="18" charset="0"/>
               </a:rPr>
               <a:t>Tutoriel (avec bonus)</a:t>
@@ -3357,7 +3684,7 @@
           <a:p>
             <a:pPr marL="1793875" lvl="3" indent="-541338"/>
             <a:r>
-              <a:rPr lang="fr-FR" sz="3200" dirty="0" smtClean="0">
+              <a:rPr lang="fr-FR" sz="3200" dirty="0">
                 <a:latin typeface="Adobe Caslon Pro Bold" pitchFamily="18" charset="0"/>
               </a:rPr>
               <a:t>Questions</a:t>
@@ -3365,6 +3692,212 @@
             <a:endParaRPr lang="fr-CH" sz="3200" dirty="0">
               <a:latin typeface="Adobe Caslon Pro Bold" pitchFamily="18" charset="0"/>
             </a:endParaRPr>
+          </a:p>
+        </p:txBody>
+      </p:sp>
+      <p:pic>
+        <p:nvPicPr>
+          <p:cNvPr id="5" name="Graphique 4" descr="Papier"/>
+          <p:cNvPicPr>
+            <a:picLocks noChangeAspect="1"/>
+          </p:cNvPicPr>
+          <p:nvPr/>
+        </p:nvPicPr>
+        <p:blipFill>
+          <a:blip r:embed="rId2">
+            <a:extLst>
+              <a:ext uri="{28A0092B-C50C-407E-A947-70E740481C1C}">
+                <a14:useLocalDpi xmlns:a14="http://schemas.microsoft.com/office/drawing/2010/main" val="0"/>
+              </a:ext>
+              <a:ext uri="{96DAC541-7B7A-43D3-8B79-37D633B846F1}">
+                <asvg:svgBlip xmlns:asvg="http://schemas.microsoft.com/office/drawing/2016/SVG/main" r:embed="rId3"/>
+              </a:ext>
+            </a:extLst>
+          </a:blip>
+          <a:stretch>
+            <a:fillRect/>
+          </a:stretch>
+        </p:blipFill>
+        <p:spPr>
+          <a:xfrm>
+            <a:off x="4427984" y="6272836"/>
+            <a:ext cx="532150" cy="532150"/>
+          </a:xfrm>
+          <a:prstGeom prst="rect">
+            <a:avLst/>
+          </a:prstGeom>
+        </p:spPr>
+      </p:pic>
+      <p:sp>
+        <p:nvSpPr>
+          <p:cNvPr id="6" name="Espace réservé de la date 5"/>
+          <p:cNvSpPr>
+            <a:spLocks noGrp="1"/>
+          </p:cNvSpPr>
+          <p:nvPr>
+            <p:ph type="dt" sz="half" idx="10"/>
+          </p:nvPr>
+        </p:nvSpPr>
+        <p:spPr/>
+        <p:txBody>
+          <a:bodyPr/>
+          <a:lstStyle/>
+          <a:p>
+            <a:fld id="{5F99A4B4-3191-43E5-B0EC-C71338598CC5}" type="datetime1">
+              <a:rPr lang="fr-CH" smtClean="0"/>
+              <a:t>17.01.2017</a:t>
+            </a:fld>
+            <a:endParaRPr lang="fr-CH"/>
+          </a:p>
+        </p:txBody>
+      </p:sp>
+      <p:sp>
+        <p:nvSpPr>
+          <p:cNvPr id="7" name="Espace réservé du numéro de diapositive 6"/>
+          <p:cNvSpPr>
+            <a:spLocks noGrp="1"/>
+          </p:cNvSpPr>
+          <p:nvPr>
+            <p:ph type="sldNum" sz="quarter" idx="12"/>
+          </p:nvPr>
+        </p:nvSpPr>
+        <p:spPr>
+          <a:xfrm>
+            <a:off x="4487652" y="6356350"/>
+            <a:ext cx="323056" cy="365125"/>
+          </a:xfrm>
+        </p:spPr>
+        <p:txBody>
+          <a:bodyPr/>
+          <a:lstStyle/>
+          <a:p>
+            <a:fld id="{75BF8877-9514-4A8E-AAF7-2C96B263F211}" type="slidenum">
+              <a:rPr lang="fr-CH" smtClean="0"/>
+              <a:t>1</a:t>
+            </a:fld>
+            <a:endParaRPr lang="fr-CH" dirty="0"/>
+          </a:p>
+        </p:txBody>
+      </p:sp>
+      <p:sp>
+        <p:nvSpPr>
+          <p:cNvPr id="8" name="Espace réservé de la date 5"/>
+          <p:cNvSpPr txBox="1">
+            <a:spLocks/>
+          </p:cNvSpPr>
+          <p:nvPr/>
+        </p:nvSpPr>
+        <p:spPr>
+          <a:xfrm>
+            <a:off x="8196551" y="6356349"/>
+            <a:ext cx="857169" cy="365125"/>
+          </a:xfrm>
+          <a:prstGeom prst="rect">
+            <a:avLst/>
+          </a:prstGeom>
+        </p:spPr>
+        <p:txBody>
+          <a:bodyPr vert="horz" lIns="91440" tIns="45720" rIns="91440" bIns="45720" rtlCol="0" anchor="ctr"/>
+          <a:lstStyle>
+            <a:defPPr>
+              <a:defRPr lang="fr-FR"/>
+            </a:defPPr>
+            <a:lvl1pPr marL="0" algn="l" defTabSz="914400" rtl="0" eaLnBrk="1" latinLnBrk="0" hangingPunct="1">
+              <a:defRPr sz="1200" kern="1200">
+                <a:solidFill>
+                  <a:schemeClr val="bg1"/>
+                </a:solidFill>
+                <a:latin typeface="+mn-lt"/>
+                <a:ea typeface="+mn-ea"/>
+                <a:cs typeface="+mn-cs"/>
+              </a:defRPr>
+            </a:lvl1pPr>
+            <a:lvl2pPr marL="457200" algn="l" defTabSz="914400" rtl="0" eaLnBrk="1" latinLnBrk="0" hangingPunct="1">
+              <a:defRPr sz="1800" kern="1200">
+                <a:solidFill>
+                  <a:schemeClr val="tx1"/>
+                </a:solidFill>
+                <a:latin typeface="+mn-lt"/>
+                <a:ea typeface="+mn-ea"/>
+                <a:cs typeface="+mn-cs"/>
+              </a:defRPr>
+            </a:lvl2pPr>
+            <a:lvl3pPr marL="914400" algn="l" defTabSz="914400" rtl="0" eaLnBrk="1" latinLnBrk="0" hangingPunct="1">
+              <a:defRPr sz="1800" kern="1200">
+                <a:solidFill>
+                  <a:schemeClr val="tx1"/>
+                </a:solidFill>
+                <a:latin typeface="+mn-lt"/>
+                <a:ea typeface="+mn-ea"/>
+                <a:cs typeface="+mn-cs"/>
+              </a:defRPr>
+            </a:lvl3pPr>
+            <a:lvl4pPr marL="1371600" algn="l" defTabSz="914400" rtl="0" eaLnBrk="1" latinLnBrk="0" hangingPunct="1">
+              <a:defRPr sz="1800" kern="1200">
+                <a:solidFill>
+                  <a:schemeClr val="tx1"/>
+                </a:solidFill>
+                <a:latin typeface="+mn-lt"/>
+                <a:ea typeface="+mn-ea"/>
+                <a:cs typeface="+mn-cs"/>
+              </a:defRPr>
+            </a:lvl4pPr>
+            <a:lvl5pPr marL="1828800" algn="l" defTabSz="914400" rtl="0" eaLnBrk="1" latinLnBrk="0" hangingPunct="1">
+              <a:defRPr sz="1800" kern="1200">
+                <a:solidFill>
+                  <a:schemeClr val="tx1"/>
+                </a:solidFill>
+                <a:latin typeface="+mn-lt"/>
+                <a:ea typeface="+mn-ea"/>
+                <a:cs typeface="+mn-cs"/>
+              </a:defRPr>
+            </a:lvl5pPr>
+            <a:lvl6pPr marL="2286000" algn="l" defTabSz="914400" rtl="0" eaLnBrk="1" latinLnBrk="0" hangingPunct="1">
+              <a:defRPr sz="1800" kern="1200">
+                <a:solidFill>
+                  <a:schemeClr val="tx1"/>
+                </a:solidFill>
+                <a:latin typeface="+mn-lt"/>
+                <a:ea typeface="+mn-ea"/>
+                <a:cs typeface="+mn-cs"/>
+              </a:defRPr>
+            </a:lvl6pPr>
+            <a:lvl7pPr marL="2743200" algn="l" defTabSz="914400" rtl="0" eaLnBrk="1" latinLnBrk="0" hangingPunct="1">
+              <a:defRPr sz="1800" kern="1200">
+                <a:solidFill>
+                  <a:schemeClr val="tx1"/>
+                </a:solidFill>
+                <a:latin typeface="+mn-lt"/>
+                <a:ea typeface="+mn-ea"/>
+                <a:cs typeface="+mn-cs"/>
+              </a:defRPr>
+            </a:lvl7pPr>
+            <a:lvl8pPr marL="3200400" algn="l" defTabSz="914400" rtl="0" eaLnBrk="1" latinLnBrk="0" hangingPunct="1">
+              <a:defRPr sz="1800" kern="1200">
+                <a:solidFill>
+                  <a:schemeClr val="tx1"/>
+                </a:solidFill>
+                <a:latin typeface="+mn-lt"/>
+                <a:ea typeface="+mn-ea"/>
+                <a:cs typeface="+mn-cs"/>
+              </a:defRPr>
+            </a:lvl8pPr>
+            <a:lvl9pPr marL="3657600" algn="l" defTabSz="914400" rtl="0" eaLnBrk="1" latinLnBrk="0" hangingPunct="1">
+              <a:defRPr sz="1800" kern="1200">
+                <a:solidFill>
+                  <a:schemeClr val="tx1"/>
+                </a:solidFill>
+                <a:latin typeface="+mn-lt"/>
+                <a:ea typeface="+mn-ea"/>
+                <a:cs typeface="+mn-cs"/>
+              </a:defRPr>
+            </a:lvl9pPr>
+          </a:lstStyle>
+          <a:p>
+            <a:r>
+              <a:rPr lang="fr-CH" dirty="0"/>
+              <a:t>Projet C#</a:t>
+            </a:r>
           </a:p>
         </p:txBody>
       </p:sp>
@@ -3378,12 +3911,689 @@
   <p:clrMapOvr>
     <a:masterClrMapping/>
   </p:clrMapOvr>
+  <mc:AlternateContent xmlns:mc="http://schemas.openxmlformats.org/markup-compatibility/2006">
+    <mc:Choice xmlns:p15="http://schemas.microsoft.com/office/powerpoint/2012/main" Requires="p15">
+      <p:transition xmlns:p14="http://schemas.microsoft.com/office/powerpoint/2010/main" spd="slow" p14:dur="1250">
+        <p15:prstTrans prst="pageCurlDouble" invX="1"/>
+      </p:transition>
+    </mc:Choice>
+    <mc:Fallback>
+      <p:transition spd="slow">
+        <p:fade/>
+      </p:transition>
+    </mc:Fallback>
+  </mc:AlternateContent>
   <p:timing>
     <p:tnLst>
       <p:par>
-        <p:cTn id="1" dur="indefinite" restart="never" nodeType="tmRoot"/>
+        <p:cTn id="1" dur="indefinite" restart="never" nodeType="tmRoot">
+          <p:childTnLst>
+            <p:seq concurrent="1" nextAc="seek">
+              <p:cTn id="2" dur="indefinite" nodeType="mainSeq">
+                <p:childTnLst>
+                  <p:par>
+                    <p:cTn id="3" fill="hold">
+                      <p:stCondLst>
+                        <p:cond delay="indefinite"/>
+                      </p:stCondLst>
+                      <p:childTnLst>
+                        <p:par>
+                          <p:cTn id="4" fill="hold">
+                            <p:stCondLst>
+                              <p:cond delay="0"/>
+                            </p:stCondLst>
+                            <p:childTnLst>
+                              <p:par>
+                                <p:cTn id="5" presetID="53" presetClass="entr" presetSubtype="16" fill="hold" grpId="0" nodeType="clickEffect">
+                                  <p:stCondLst>
+                                    <p:cond delay="0"/>
+                                  </p:stCondLst>
+                                  <p:childTnLst>
+                                    <p:set>
+                                      <p:cBhvr>
+                                        <p:cTn id="6" dur="1" fill="hold">
+                                          <p:stCondLst>
+                                            <p:cond delay="0"/>
+                                          </p:stCondLst>
+                                        </p:cTn>
+                                        <p:tgtEl>
+                                          <p:spTgt spid="2"/>
+                                        </p:tgtEl>
+                                        <p:attrNameLst>
+                                          <p:attrName>style.visibility</p:attrName>
+                                        </p:attrNameLst>
+                                      </p:cBhvr>
+                                      <p:to>
+                                        <p:strVal val="visible"/>
+                                      </p:to>
+                                    </p:set>
+                                    <p:anim calcmode="lin" valueType="num">
+                                      <p:cBhvr>
+                                        <p:cTn id="7" dur="500" fill="hold"/>
+                                        <p:tgtEl>
+                                          <p:spTgt spid="2"/>
+                                        </p:tgtEl>
+                                        <p:attrNameLst>
+                                          <p:attrName>ppt_w</p:attrName>
+                                        </p:attrNameLst>
+                                      </p:cBhvr>
+                                      <p:tavLst>
+                                        <p:tav tm="0">
+                                          <p:val>
+                                            <p:fltVal val="0"/>
+                                          </p:val>
+                                        </p:tav>
+                                        <p:tav tm="100000">
+                                          <p:val>
+                                            <p:strVal val="#ppt_w"/>
+                                          </p:val>
+                                        </p:tav>
+                                      </p:tavLst>
+                                    </p:anim>
+                                    <p:anim calcmode="lin" valueType="num">
+                                      <p:cBhvr>
+                                        <p:cTn id="8" dur="500" fill="hold"/>
+                                        <p:tgtEl>
+                                          <p:spTgt spid="2"/>
+                                        </p:tgtEl>
+                                        <p:attrNameLst>
+                                          <p:attrName>ppt_h</p:attrName>
+                                        </p:attrNameLst>
+                                      </p:cBhvr>
+                                      <p:tavLst>
+                                        <p:tav tm="0">
+                                          <p:val>
+                                            <p:fltVal val="0"/>
+                                          </p:val>
+                                        </p:tav>
+                                        <p:tav tm="100000">
+                                          <p:val>
+                                            <p:strVal val="#ppt_h"/>
+                                          </p:val>
+                                        </p:tav>
+                                      </p:tavLst>
+                                    </p:anim>
+                                    <p:animEffect transition="in" filter="fade">
+                                      <p:cBhvr>
+                                        <p:cTn id="9" dur="500"/>
+                                        <p:tgtEl>
+                                          <p:spTgt spid="2"/>
+                                        </p:tgtEl>
+                                      </p:cBhvr>
+                                    </p:animEffect>
+                                  </p:childTnLst>
+                                </p:cTn>
+                              </p:par>
+                              <p:par>
+                                <p:cTn id="10" presetID="53" presetClass="entr" presetSubtype="16" fill="hold" nodeType="withEffect">
+                                  <p:stCondLst>
+                                    <p:cond delay="0"/>
+                                  </p:stCondLst>
+                                  <p:childTnLst>
+                                    <p:set>
+                                      <p:cBhvr>
+                                        <p:cTn id="11" dur="1" fill="hold">
+                                          <p:stCondLst>
+                                            <p:cond delay="0"/>
+                                          </p:stCondLst>
+                                        </p:cTn>
+                                        <p:tgtEl>
+                                          <p:spTgt spid="5"/>
+                                        </p:tgtEl>
+                                        <p:attrNameLst>
+                                          <p:attrName>style.visibility</p:attrName>
+                                        </p:attrNameLst>
+                                      </p:cBhvr>
+                                      <p:to>
+                                        <p:strVal val="visible"/>
+                                      </p:to>
+                                    </p:set>
+                                    <p:anim calcmode="lin" valueType="num">
+                                      <p:cBhvr>
+                                        <p:cTn id="12" dur="500" fill="hold"/>
+                                        <p:tgtEl>
+                                          <p:spTgt spid="5"/>
+                                        </p:tgtEl>
+                                        <p:attrNameLst>
+                                          <p:attrName>ppt_w</p:attrName>
+                                        </p:attrNameLst>
+                                      </p:cBhvr>
+                                      <p:tavLst>
+                                        <p:tav tm="0">
+                                          <p:val>
+                                            <p:fltVal val="0"/>
+                                          </p:val>
+                                        </p:tav>
+                                        <p:tav tm="100000">
+                                          <p:val>
+                                            <p:strVal val="#ppt_w"/>
+                                          </p:val>
+                                        </p:tav>
+                                      </p:tavLst>
+                                    </p:anim>
+                                    <p:anim calcmode="lin" valueType="num">
+                                      <p:cBhvr>
+                                        <p:cTn id="13" dur="500" fill="hold"/>
+                                        <p:tgtEl>
+                                          <p:spTgt spid="5"/>
+                                        </p:tgtEl>
+                                        <p:attrNameLst>
+                                          <p:attrName>ppt_h</p:attrName>
+                                        </p:attrNameLst>
+                                      </p:cBhvr>
+                                      <p:tavLst>
+                                        <p:tav tm="0">
+                                          <p:val>
+                                            <p:fltVal val="0"/>
+                                          </p:val>
+                                        </p:tav>
+                                        <p:tav tm="100000">
+                                          <p:val>
+                                            <p:strVal val="#ppt_h"/>
+                                          </p:val>
+                                        </p:tav>
+                                      </p:tavLst>
+                                    </p:anim>
+                                    <p:animEffect transition="in" filter="fade">
+                                      <p:cBhvr>
+                                        <p:cTn id="14" dur="500"/>
+                                        <p:tgtEl>
+                                          <p:spTgt spid="5"/>
+                                        </p:tgtEl>
+                                      </p:cBhvr>
+                                    </p:animEffect>
+                                  </p:childTnLst>
+                                </p:cTn>
+                              </p:par>
+                              <p:par>
+                                <p:cTn id="15" presetID="53" presetClass="entr" presetSubtype="16" fill="hold" grpId="0" nodeType="withEffect">
+                                  <p:stCondLst>
+                                    <p:cond delay="0"/>
+                                  </p:stCondLst>
+                                  <p:childTnLst>
+                                    <p:set>
+                                      <p:cBhvr>
+                                        <p:cTn id="16" dur="1" fill="hold">
+                                          <p:stCondLst>
+                                            <p:cond delay="0"/>
+                                          </p:stCondLst>
+                                        </p:cTn>
+                                        <p:tgtEl>
+                                          <p:spTgt spid="6"/>
+                                        </p:tgtEl>
+                                        <p:attrNameLst>
+                                          <p:attrName>style.visibility</p:attrName>
+                                        </p:attrNameLst>
+                                      </p:cBhvr>
+                                      <p:to>
+                                        <p:strVal val="visible"/>
+                                      </p:to>
+                                    </p:set>
+                                    <p:anim calcmode="lin" valueType="num">
+                                      <p:cBhvr>
+                                        <p:cTn id="17" dur="500" fill="hold"/>
+                                        <p:tgtEl>
+                                          <p:spTgt spid="6"/>
+                                        </p:tgtEl>
+                                        <p:attrNameLst>
+                                          <p:attrName>ppt_w</p:attrName>
+                                        </p:attrNameLst>
+                                      </p:cBhvr>
+                                      <p:tavLst>
+                                        <p:tav tm="0">
+                                          <p:val>
+                                            <p:fltVal val="0"/>
+                                          </p:val>
+                                        </p:tav>
+                                        <p:tav tm="100000">
+                                          <p:val>
+                                            <p:strVal val="#ppt_w"/>
+                                          </p:val>
+                                        </p:tav>
+                                      </p:tavLst>
+                                    </p:anim>
+                                    <p:anim calcmode="lin" valueType="num">
+                                      <p:cBhvr>
+                                        <p:cTn id="18" dur="500" fill="hold"/>
+                                        <p:tgtEl>
+                                          <p:spTgt spid="6"/>
+                                        </p:tgtEl>
+                                        <p:attrNameLst>
+                                          <p:attrName>ppt_h</p:attrName>
+                                        </p:attrNameLst>
+                                      </p:cBhvr>
+                                      <p:tavLst>
+                                        <p:tav tm="0">
+                                          <p:val>
+                                            <p:fltVal val="0"/>
+                                          </p:val>
+                                        </p:tav>
+                                        <p:tav tm="100000">
+                                          <p:val>
+                                            <p:strVal val="#ppt_h"/>
+                                          </p:val>
+                                        </p:tav>
+                                      </p:tavLst>
+                                    </p:anim>
+                                    <p:animEffect transition="in" filter="fade">
+                                      <p:cBhvr>
+                                        <p:cTn id="19" dur="500"/>
+                                        <p:tgtEl>
+                                          <p:spTgt spid="6"/>
+                                        </p:tgtEl>
+                                      </p:cBhvr>
+                                    </p:animEffect>
+                                  </p:childTnLst>
+                                </p:cTn>
+                              </p:par>
+                              <p:par>
+                                <p:cTn id="20" presetID="53" presetClass="entr" presetSubtype="16" fill="hold" grpId="0" nodeType="withEffect">
+                                  <p:stCondLst>
+                                    <p:cond delay="0"/>
+                                  </p:stCondLst>
+                                  <p:childTnLst>
+                                    <p:set>
+                                      <p:cBhvr>
+                                        <p:cTn id="21" dur="1" fill="hold">
+                                          <p:stCondLst>
+                                            <p:cond delay="0"/>
+                                          </p:stCondLst>
+                                        </p:cTn>
+                                        <p:tgtEl>
+                                          <p:spTgt spid="8"/>
+                                        </p:tgtEl>
+                                        <p:attrNameLst>
+                                          <p:attrName>style.visibility</p:attrName>
+                                        </p:attrNameLst>
+                                      </p:cBhvr>
+                                      <p:to>
+                                        <p:strVal val="visible"/>
+                                      </p:to>
+                                    </p:set>
+                                    <p:anim calcmode="lin" valueType="num">
+                                      <p:cBhvr>
+                                        <p:cTn id="22" dur="500" fill="hold"/>
+                                        <p:tgtEl>
+                                          <p:spTgt spid="8"/>
+                                        </p:tgtEl>
+                                        <p:attrNameLst>
+                                          <p:attrName>ppt_w</p:attrName>
+                                        </p:attrNameLst>
+                                      </p:cBhvr>
+                                      <p:tavLst>
+                                        <p:tav tm="0">
+                                          <p:val>
+                                            <p:fltVal val="0"/>
+                                          </p:val>
+                                        </p:tav>
+                                        <p:tav tm="100000">
+                                          <p:val>
+                                            <p:strVal val="#ppt_w"/>
+                                          </p:val>
+                                        </p:tav>
+                                      </p:tavLst>
+                                    </p:anim>
+                                    <p:anim calcmode="lin" valueType="num">
+                                      <p:cBhvr>
+                                        <p:cTn id="23" dur="500" fill="hold"/>
+                                        <p:tgtEl>
+                                          <p:spTgt spid="8"/>
+                                        </p:tgtEl>
+                                        <p:attrNameLst>
+                                          <p:attrName>ppt_h</p:attrName>
+                                        </p:attrNameLst>
+                                      </p:cBhvr>
+                                      <p:tavLst>
+                                        <p:tav tm="0">
+                                          <p:val>
+                                            <p:fltVal val="0"/>
+                                          </p:val>
+                                        </p:tav>
+                                        <p:tav tm="100000">
+                                          <p:val>
+                                            <p:strVal val="#ppt_h"/>
+                                          </p:val>
+                                        </p:tav>
+                                      </p:tavLst>
+                                    </p:anim>
+                                    <p:animEffect transition="in" filter="fade">
+                                      <p:cBhvr>
+                                        <p:cTn id="24" dur="500"/>
+                                        <p:tgtEl>
+                                          <p:spTgt spid="8"/>
+                                        </p:tgtEl>
+                                      </p:cBhvr>
+                                    </p:animEffect>
+                                  </p:childTnLst>
+                                </p:cTn>
+                              </p:par>
+                              <p:par>
+                                <p:cTn id="25" presetID="53" presetClass="entr" presetSubtype="16" fill="hold" grpId="0" nodeType="withEffect">
+                                  <p:stCondLst>
+                                    <p:cond delay="0"/>
+                                  </p:stCondLst>
+                                  <p:childTnLst>
+                                    <p:set>
+                                      <p:cBhvr>
+                                        <p:cTn id="26" dur="1" fill="hold">
+                                          <p:stCondLst>
+                                            <p:cond delay="0"/>
+                                          </p:stCondLst>
+                                        </p:cTn>
+                                        <p:tgtEl>
+                                          <p:spTgt spid="7"/>
+                                        </p:tgtEl>
+                                        <p:attrNameLst>
+                                          <p:attrName>style.visibility</p:attrName>
+                                        </p:attrNameLst>
+                                      </p:cBhvr>
+                                      <p:to>
+                                        <p:strVal val="visible"/>
+                                      </p:to>
+                                    </p:set>
+                                    <p:anim calcmode="lin" valueType="num">
+                                      <p:cBhvr>
+                                        <p:cTn id="27" dur="500" fill="hold"/>
+                                        <p:tgtEl>
+                                          <p:spTgt spid="7"/>
+                                        </p:tgtEl>
+                                        <p:attrNameLst>
+                                          <p:attrName>ppt_w</p:attrName>
+                                        </p:attrNameLst>
+                                      </p:cBhvr>
+                                      <p:tavLst>
+                                        <p:tav tm="0">
+                                          <p:val>
+                                            <p:fltVal val="0"/>
+                                          </p:val>
+                                        </p:tav>
+                                        <p:tav tm="100000">
+                                          <p:val>
+                                            <p:strVal val="#ppt_w"/>
+                                          </p:val>
+                                        </p:tav>
+                                      </p:tavLst>
+                                    </p:anim>
+                                    <p:anim calcmode="lin" valueType="num">
+                                      <p:cBhvr>
+                                        <p:cTn id="28" dur="500" fill="hold"/>
+                                        <p:tgtEl>
+                                          <p:spTgt spid="7"/>
+                                        </p:tgtEl>
+                                        <p:attrNameLst>
+                                          <p:attrName>ppt_h</p:attrName>
+                                        </p:attrNameLst>
+                                      </p:cBhvr>
+                                      <p:tavLst>
+                                        <p:tav tm="0">
+                                          <p:val>
+                                            <p:fltVal val="0"/>
+                                          </p:val>
+                                        </p:tav>
+                                        <p:tav tm="100000">
+                                          <p:val>
+                                            <p:strVal val="#ppt_h"/>
+                                          </p:val>
+                                        </p:tav>
+                                      </p:tavLst>
+                                    </p:anim>
+                                    <p:animEffect transition="in" filter="fade">
+                                      <p:cBhvr>
+                                        <p:cTn id="29" dur="500"/>
+                                        <p:tgtEl>
+                                          <p:spTgt spid="7"/>
+                                        </p:tgtEl>
+                                      </p:cBhvr>
+                                    </p:animEffect>
+                                  </p:childTnLst>
+                                </p:cTn>
+                              </p:par>
+                            </p:childTnLst>
+                          </p:cTn>
+                        </p:par>
+                        <p:par>
+                          <p:cTn id="30" fill="hold">
+                            <p:stCondLst>
+                              <p:cond delay="500"/>
+                            </p:stCondLst>
+                            <p:childTnLst>
+                              <p:par>
+                                <p:cTn id="31" presetID="1" presetClass="entr" presetSubtype="0" fill="hold" grpId="0" nodeType="afterEffect">
+                                  <p:stCondLst>
+                                    <p:cond delay="300"/>
+                                  </p:stCondLst>
+                                  <p:childTnLst>
+                                    <p:set>
+                                      <p:cBhvr>
+                                        <p:cTn id="32" dur="1" fill="hold">
+                                          <p:stCondLst>
+                                            <p:cond delay="0"/>
+                                          </p:stCondLst>
+                                        </p:cTn>
+                                        <p:tgtEl>
+                                          <p:spTgt spid="3">
+                                            <p:txEl>
+                                              <p:pRg st="0" end="0"/>
+                                            </p:txEl>
+                                          </p:spTgt>
+                                        </p:tgtEl>
+                                        <p:attrNameLst>
+                                          <p:attrName>style.visibility</p:attrName>
+                                        </p:attrNameLst>
+                                      </p:cBhvr>
+                                      <p:to>
+                                        <p:strVal val="visible"/>
+                                      </p:to>
+                                    </p:set>
+                                  </p:childTnLst>
+                                </p:cTn>
+                              </p:par>
+                            </p:childTnLst>
+                          </p:cTn>
+                        </p:par>
+                        <p:par>
+                          <p:cTn id="33" fill="hold">
+                            <p:stCondLst>
+                              <p:cond delay="800"/>
+                            </p:stCondLst>
+                            <p:childTnLst>
+                              <p:par>
+                                <p:cTn id="34" presetID="10" presetClass="entr" presetSubtype="0" fill="hold" grpId="0" nodeType="afterEffect">
+                                  <p:stCondLst>
+                                    <p:cond delay="600"/>
+                                  </p:stCondLst>
+                                  <p:childTnLst>
+                                    <p:set>
+                                      <p:cBhvr>
+                                        <p:cTn id="35" dur="1" fill="hold">
+                                          <p:stCondLst>
+                                            <p:cond delay="0"/>
+                                          </p:stCondLst>
+                                        </p:cTn>
+                                        <p:tgtEl>
+                                          <p:spTgt spid="3">
+                                            <p:txEl>
+                                              <p:pRg st="2" end="2"/>
+                                            </p:txEl>
+                                          </p:spTgt>
+                                        </p:tgtEl>
+                                        <p:attrNameLst>
+                                          <p:attrName>style.visibility</p:attrName>
+                                        </p:attrNameLst>
+                                      </p:cBhvr>
+                                      <p:to>
+                                        <p:strVal val="visible"/>
+                                      </p:to>
+                                    </p:set>
+                                    <p:animEffect transition="in" filter="fade">
+                                      <p:cBhvr>
+                                        <p:cTn id="36" dur="600"/>
+                                        <p:tgtEl>
+                                          <p:spTgt spid="3">
+                                            <p:txEl>
+                                              <p:pRg st="2" end="2"/>
+                                            </p:txEl>
+                                          </p:spTgt>
+                                        </p:tgtEl>
+                                      </p:cBhvr>
+                                    </p:animEffect>
+                                  </p:childTnLst>
+                                </p:cTn>
+                              </p:par>
+                            </p:childTnLst>
+                          </p:cTn>
+                        </p:par>
+                        <p:par>
+                          <p:cTn id="37" fill="hold">
+                            <p:stCondLst>
+                              <p:cond delay="2000"/>
+                            </p:stCondLst>
+                            <p:childTnLst>
+                              <p:par>
+                                <p:cTn id="38" presetID="1" presetClass="entr" presetSubtype="0" fill="hold" grpId="0" nodeType="afterEffect">
+                                  <p:stCondLst>
+                                    <p:cond delay="0"/>
+                                  </p:stCondLst>
+                                  <p:childTnLst>
+                                    <p:set>
+                                      <p:cBhvr>
+                                        <p:cTn id="39" dur="1" fill="hold">
+                                          <p:stCondLst>
+                                            <p:cond delay="0"/>
+                                          </p:stCondLst>
+                                        </p:cTn>
+                                        <p:tgtEl>
+                                          <p:spTgt spid="3">
+                                            <p:txEl>
+                                              <p:pRg st="3" end="3"/>
+                                            </p:txEl>
+                                          </p:spTgt>
+                                        </p:tgtEl>
+                                        <p:attrNameLst>
+                                          <p:attrName>style.visibility</p:attrName>
+                                        </p:attrNameLst>
+                                      </p:cBhvr>
+                                      <p:to>
+                                        <p:strVal val="visible"/>
+                                      </p:to>
+                                    </p:set>
+                                  </p:childTnLst>
+                                </p:cTn>
+                              </p:par>
+                            </p:childTnLst>
+                          </p:cTn>
+                        </p:par>
+                        <p:par>
+                          <p:cTn id="40" fill="hold">
+                            <p:stCondLst>
+                              <p:cond delay="2000"/>
+                            </p:stCondLst>
+                            <p:childTnLst>
+                              <p:par>
+                                <p:cTn id="41" presetID="1" presetClass="entr" presetSubtype="0" fill="hold" grpId="0" nodeType="afterEffect">
+                                  <p:stCondLst>
+                                    <p:cond delay="600"/>
+                                  </p:stCondLst>
+                                  <p:childTnLst>
+                                    <p:set>
+                                      <p:cBhvr>
+                                        <p:cTn id="42" dur="1" fill="hold">
+                                          <p:stCondLst>
+                                            <p:cond delay="0"/>
+                                          </p:stCondLst>
+                                        </p:cTn>
+                                        <p:tgtEl>
+                                          <p:spTgt spid="3">
+                                            <p:txEl>
+                                              <p:pRg st="4" end="4"/>
+                                            </p:txEl>
+                                          </p:spTgt>
+                                        </p:tgtEl>
+                                        <p:attrNameLst>
+                                          <p:attrName>style.visibility</p:attrName>
+                                        </p:attrNameLst>
+                                      </p:cBhvr>
+                                      <p:to>
+                                        <p:strVal val="visible"/>
+                                      </p:to>
+                                    </p:set>
+                                  </p:childTnLst>
+                                </p:cTn>
+                              </p:par>
+                            </p:childTnLst>
+                          </p:cTn>
+                        </p:par>
+                        <p:par>
+                          <p:cTn id="43" fill="hold">
+                            <p:stCondLst>
+                              <p:cond delay="2600"/>
+                            </p:stCondLst>
+                            <p:childTnLst>
+                              <p:par>
+                                <p:cTn id="44" presetID="1" presetClass="entr" presetSubtype="0" fill="hold" grpId="0" nodeType="afterEffect">
+                                  <p:stCondLst>
+                                    <p:cond delay="600"/>
+                                  </p:stCondLst>
+                                  <p:childTnLst>
+                                    <p:set>
+                                      <p:cBhvr>
+                                        <p:cTn id="45" dur="1" fill="hold">
+                                          <p:stCondLst>
+                                            <p:cond delay="0"/>
+                                          </p:stCondLst>
+                                        </p:cTn>
+                                        <p:tgtEl>
+                                          <p:spTgt spid="3">
+                                            <p:txEl>
+                                              <p:pRg st="5" end="5"/>
+                                            </p:txEl>
+                                          </p:spTgt>
+                                        </p:tgtEl>
+                                        <p:attrNameLst>
+                                          <p:attrName>style.visibility</p:attrName>
+                                        </p:attrNameLst>
+                                      </p:cBhvr>
+                                      <p:to>
+                                        <p:strVal val="visible"/>
+                                      </p:to>
+                                    </p:set>
+                                  </p:childTnLst>
+                                </p:cTn>
+                              </p:par>
+                            </p:childTnLst>
+                          </p:cTn>
+                        </p:par>
+                      </p:childTnLst>
+                    </p:cTn>
+                  </p:par>
+                </p:childTnLst>
+              </p:cTn>
+              <p:prevCondLst>
+                <p:cond evt="onPrev" delay="0">
+                  <p:tgtEl>
+                    <p:sldTgt/>
+                  </p:tgtEl>
+                </p:cond>
+              </p:prevCondLst>
+              <p:nextCondLst>
+                <p:cond evt="onNext" delay="0">
+                  <p:tgtEl>
+                    <p:sldTgt/>
+                  </p:tgtEl>
+                </p:cond>
+              </p:nextCondLst>
+            </p:seq>
+          </p:childTnLst>
+        </p:cTn>
       </p:par>
     </p:tnLst>
+    <p:bldLst>
+      <p:bldP spid="2" grpId="0"/>
+      <p:bldP spid="3" grpId="0" uiExpand="1" build="p"/>
+      <p:bldP spid="6" grpId="0"/>
+      <p:bldP spid="7" grpId="0"/>
+      <p:bldP spid="8" grpId="0"/>
+    </p:bldLst>
   </p:timing>
 </p:sld>
 </file>
@@ -3423,7 +4633,7 @@
           <a:lstStyle/>
           <a:p>
             <a:r>
-              <a:rPr lang="fr-FR" sz="6600" i="1" dirty="0" smtClean="0">
+              <a:rPr lang="fr-FR" sz="6600" i="1" dirty="0">
                 <a:effectLst>
                   <a:outerShdw blurRad="60007" dist="444500" dir="14580000" sy="30000" kx="-1800000" algn="bl" rotWithShape="0">
                     <a:prstClr val="black">
@@ -3436,7 +4646,7 @@
               <a:t>Pourquoi </a:t>
             </a:r>
             <a:r>
-              <a:rPr lang="fr-FR" sz="6600" i="1" dirty="0" err="1" smtClean="0">
+              <a:rPr lang="fr-FR" sz="6600" i="1" dirty="0" err="1">
                 <a:effectLst>
                   <a:outerShdw blurRad="60007" dist="444500" dir="14580000" sy="30000" kx="-1800000" algn="bl" rotWithShape="0">
                     <a:prstClr val="black">
@@ -3449,7 +4659,7 @@
               <a:t>Pacman</a:t>
             </a:r>
             <a:r>
-              <a:rPr lang="fr-FR" sz="6600" i="1" dirty="0" smtClean="0">
+              <a:rPr lang="fr-FR" sz="6600" i="1" dirty="0">
                 <a:effectLst>
                   <a:outerShdw blurRad="60007" dist="444500" dir="14580000" sy="30000" kx="-1800000" algn="bl" rotWithShape="0">
                     <a:prstClr val="black">
@@ -3492,7 +4702,7 @@
         </p:spPr>
         <p:txBody>
           <a:bodyPr>
-            <a:normAutofit/>
+            <a:normAutofit lnSpcReduction="10000"/>
           </a:bodyPr>
           <a:lstStyle/>
           <a:p>
@@ -3522,19 +4732,7 @@
               <a:rPr lang="fr-FR" dirty="0">
                 <a:latin typeface="Adobe Caslon Pro Bold" pitchFamily="18" charset="0"/>
               </a:rPr>
-              <a:t>-	Base </a:t>
-            </a:r>
-            <a:r>
-              <a:rPr lang="fr-FR" dirty="0">
-                <a:latin typeface="Adobe Caslon Pro Bold" pitchFamily="18" charset="0"/>
-              </a:rPr>
-              <a:t>de</a:t>
-            </a:r>
-            <a:r>
-              <a:rPr lang="fr-FR" dirty="0">
-                <a:latin typeface="Adobe Caslon Pro Bold" pitchFamily="18" charset="0"/>
-              </a:rPr>
-              <a:t> données.</a:t>
+              <a:t>-	Base de données.</a:t>
             </a:r>
           </a:p>
           <a:p>
@@ -3575,6 +4773,212 @@
           </a:p>
         </p:txBody>
       </p:sp>
+      <p:sp>
+        <p:nvSpPr>
+          <p:cNvPr id="4" name="Espace réservé de la date 3"/>
+          <p:cNvSpPr>
+            <a:spLocks noGrp="1"/>
+          </p:cNvSpPr>
+          <p:nvPr>
+            <p:ph type="dt" sz="half" idx="10"/>
+          </p:nvPr>
+        </p:nvSpPr>
+        <p:spPr/>
+        <p:txBody>
+          <a:bodyPr/>
+          <a:lstStyle/>
+          <a:p>
+            <a:fld id="{DF54E3C7-4AB6-49D6-92A4-293BEEC1B1F6}" type="datetime1">
+              <a:rPr lang="fr-CH" smtClean="0"/>
+              <a:t>17.01.2017</a:t>
+            </a:fld>
+            <a:endParaRPr lang="fr-CH"/>
+          </a:p>
+        </p:txBody>
+      </p:sp>
+      <p:sp>
+        <p:nvSpPr>
+          <p:cNvPr id="10" name="Espace réservé du numéro de diapositive 6"/>
+          <p:cNvSpPr>
+            <a:spLocks noGrp="1"/>
+          </p:cNvSpPr>
+          <p:nvPr>
+            <p:ph type="sldNum" sz="quarter" idx="12"/>
+          </p:nvPr>
+        </p:nvSpPr>
+        <p:spPr>
+          <a:xfrm>
+            <a:off x="4487652" y="6356350"/>
+            <a:ext cx="323056" cy="365125"/>
+          </a:xfrm>
+        </p:spPr>
+        <p:txBody>
+          <a:bodyPr/>
+          <a:lstStyle/>
+          <a:p>
+            <a:fld id="{75BF8877-9514-4A8E-AAF7-2C96B263F211}" type="slidenum">
+              <a:rPr lang="fr-CH" smtClean="0"/>
+              <a:t>2</a:t>
+            </a:fld>
+            <a:endParaRPr lang="fr-CH" dirty="0"/>
+          </a:p>
+        </p:txBody>
+      </p:sp>
+      <p:sp>
+        <p:nvSpPr>
+          <p:cNvPr id="11" name="Espace réservé de la date 5"/>
+          <p:cNvSpPr txBox="1">
+            <a:spLocks/>
+          </p:cNvSpPr>
+          <p:nvPr/>
+        </p:nvSpPr>
+        <p:spPr>
+          <a:xfrm>
+            <a:off x="8196551" y="6356349"/>
+            <a:ext cx="857169" cy="365125"/>
+          </a:xfrm>
+          <a:prstGeom prst="rect">
+            <a:avLst/>
+          </a:prstGeom>
+        </p:spPr>
+        <p:txBody>
+          <a:bodyPr vert="horz" lIns="91440" tIns="45720" rIns="91440" bIns="45720" rtlCol="0" anchor="ctr"/>
+          <a:lstStyle>
+            <a:defPPr>
+              <a:defRPr lang="fr-FR"/>
+            </a:defPPr>
+            <a:lvl1pPr marL="0" algn="l" defTabSz="914400" rtl="0" eaLnBrk="1" latinLnBrk="0" hangingPunct="1">
+              <a:defRPr sz="1200" kern="1200">
+                <a:solidFill>
+                  <a:schemeClr val="bg1"/>
+                </a:solidFill>
+                <a:latin typeface="+mn-lt"/>
+                <a:ea typeface="+mn-ea"/>
+                <a:cs typeface="+mn-cs"/>
+              </a:defRPr>
+            </a:lvl1pPr>
+            <a:lvl2pPr marL="457200" algn="l" defTabSz="914400" rtl="0" eaLnBrk="1" latinLnBrk="0" hangingPunct="1">
+              <a:defRPr sz="1800" kern="1200">
+                <a:solidFill>
+                  <a:schemeClr val="tx1"/>
+                </a:solidFill>
+                <a:latin typeface="+mn-lt"/>
+                <a:ea typeface="+mn-ea"/>
+                <a:cs typeface="+mn-cs"/>
+              </a:defRPr>
+            </a:lvl2pPr>
+            <a:lvl3pPr marL="914400" algn="l" defTabSz="914400" rtl="0" eaLnBrk="1" latinLnBrk="0" hangingPunct="1">
+              <a:defRPr sz="1800" kern="1200">
+                <a:solidFill>
+                  <a:schemeClr val="tx1"/>
+                </a:solidFill>
+                <a:latin typeface="+mn-lt"/>
+                <a:ea typeface="+mn-ea"/>
+                <a:cs typeface="+mn-cs"/>
+              </a:defRPr>
+            </a:lvl3pPr>
+            <a:lvl4pPr marL="1371600" algn="l" defTabSz="914400" rtl="0" eaLnBrk="1" latinLnBrk="0" hangingPunct="1">
+              <a:defRPr sz="1800" kern="1200">
+                <a:solidFill>
+                  <a:schemeClr val="tx1"/>
+                </a:solidFill>
+                <a:latin typeface="+mn-lt"/>
+                <a:ea typeface="+mn-ea"/>
+                <a:cs typeface="+mn-cs"/>
+              </a:defRPr>
+            </a:lvl4pPr>
+            <a:lvl5pPr marL="1828800" algn="l" defTabSz="914400" rtl="0" eaLnBrk="1" latinLnBrk="0" hangingPunct="1">
+              <a:defRPr sz="1800" kern="1200">
+                <a:solidFill>
+                  <a:schemeClr val="tx1"/>
+                </a:solidFill>
+                <a:latin typeface="+mn-lt"/>
+                <a:ea typeface="+mn-ea"/>
+                <a:cs typeface="+mn-cs"/>
+              </a:defRPr>
+            </a:lvl5pPr>
+            <a:lvl6pPr marL="2286000" algn="l" defTabSz="914400" rtl="0" eaLnBrk="1" latinLnBrk="0" hangingPunct="1">
+              <a:defRPr sz="1800" kern="1200">
+                <a:solidFill>
+                  <a:schemeClr val="tx1"/>
+                </a:solidFill>
+                <a:latin typeface="+mn-lt"/>
+                <a:ea typeface="+mn-ea"/>
+                <a:cs typeface="+mn-cs"/>
+              </a:defRPr>
+            </a:lvl6pPr>
+            <a:lvl7pPr marL="2743200" algn="l" defTabSz="914400" rtl="0" eaLnBrk="1" latinLnBrk="0" hangingPunct="1">
+              <a:defRPr sz="1800" kern="1200">
+                <a:solidFill>
+                  <a:schemeClr val="tx1"/>
+                </a:solidFill>
+                <a:latin typeface="+mn-lt"/>
+                <a:ea typeface="+mn-ea"/>
+                <a:cs typeface="+mn-cs"/>
+              </a:defRPr>
+            </a:lvl7pPr>
+            <a:lvl8pPr marL="3200400" algn="l" defTabSz="914400" rtl="0" eaLnBrk="1" latinLnBrk="0" hangingPunct="1">
+              <a:defRPr sz="1800" kern="1200">
+                <a:solidFill>
+                  <a:schemeClr val="tx1"/>
+                </a:solidFill>
+                <a:latin typeface="+mn-lt"/>
+                <a:ea typeface="+mn-ea"/>
+                <a:cs typeface="+mn-cs"/>
+              </a:defRPr>
+            </a:lvl8pPr>
+            <a:lvl9pPr marL="3657600" algn="l" defTabSz="914400" rtl="0" eaLnBrk="1" latinLnBrk="0" hangingPunct="1">
+              <a:defRPr sz="1800" kern="1200">
+                <a:solidFill>
+                  <a:schemeClr val="tx1"/>
+                </a:solidFill>
+                <a:latin typeface="+mn-lt"/>
+                <a:ea typeface="+mn-ea"/>
+                <a:cs typeface="+mn-cs"/>
+              </a:defRPr>
+            </a:lvl9pPr>
+          </a:lstStyle>
+          <a:p>
+            <a:r>
+              <a:rPr lang="fr-CH" dirty="0"/>
+              <a:t>Projet C#</a:t>
+            </a:r>
+          </a:p>
+        </p:txBody>
+      </p:sp>
+      <p:pic>
+        <p:nvPicPr>
+          <p:cNvPr id="12" name="Graphique 11" descr="Papier"/>
+          <p:cNvPicPr>
+            <a:picLocks noChangeAspect="1"/>
+          </p:cNvPicPr>
+          <p:nvPr/>
+        </p:nvPicPr>
+        <p:blipFill>
+          <a:blip r:embed="rId2">
+            <a:extLst>
+              <a:ext uri="{28A0092B-C50C-407E-A947-70E740481C1C}">
+                <a14:useLocalDpi xmlns:a14="http://schemas.microsoft.com/office/drawing/2010/main" val="0"/>
+              </a:ext>
+              <a:ext uri="{96DAC541-7B7A-43D3-8B79-37D633B846F1}">
+                <asvg:svgBlip xmlns:asvg="http://schemas.microsoft.com/office/drawing/2016/SVG/main" r:embed="rId3"/>
+              </a:ext>
+            </a:extLst>
+          </a:blip>
+          <a:stretch>
+            <a:fillRect/>
+          </a:stretch>
+        </p:blipFill>
+        <p:spPr>
+          <a:xfrm>
+            <a:off x="4427984" y="6272836"/>
+            <a:ext cx="532150" cy="532150"/>
+          </a:xfrm>
+          <a:prstGeom prst="rect">
+            <a:avLst/>
+          </a:prstGeom>
+        </p:spPr>
+      </p:pic>
     </p:spTree>
     <p:extLst>
       <p:ext uri="{BB962C8B-B14F-4D97-AF65-F5344CB8AC3E}">
@@ -3585,12 +4989,322 @@
   <p:clrMapOvr>
     <a:masterClrMapping/>
   </p:clrMapOvr>
+  <mc:AlternateContent xmlns:mc="http://schemas.openxmlformats.org/markup-compatibility/2006">
+    <mc:Choice xmlns:p15="http://schemas.microsoft.com/office/powerpoint/2012/main" Requires="p15">
+      <p:transition xmlns:p14="http://schemas.microsoft.com/office/powerpoint/2010/main" spd="slow" p14:dur="1250">
+        <p15:prstTrans prst="pageCurlDouble" invX="1"/>
+      </p:transition>
+    </mc:Choice>
+    <mc:Fallback>
+      <p:transition spd="slow">
+        <p:fade/>
+      </p:transition>
+    </mc:Fallback>
+  </mc:AlternateContent>
   <p:timing>
     <p:tnLst>
       <p:par>
-        <p:cTn id="1" dur="indefinite" restart="never" nodeType="tmRoot"/>
+        <p:cTn id="1" dur="indefinite" restart="never" nodeType="tmRoot">
+          <p:childTnLst>
+            <p:seq concurrent="1" nextAc="seek">
+              <p:cTn id="2" dur="indefinite" nodeType="mainSeq">
+                <p:childTnLst>
+                  <p:par>
+                    <p:cTn id="3" fill="hold">
+                      <p:stCondLst>
+                        <p:cond delay="indefinite"/>
+                        <p:cond evt="onBegin" delay="0">
+                          <p:tn val="2"/>
+                        </p:cond>
+                      </p:stCondLst>
+                      <p:childTnLst>
+                        <p:par>
+                          <p:cTn id="4" fill="hold">
+                            <p:stCondLst>
+                              <p:cond delay="0"/>
+                            </p:stCondLst>
+                            <p:childTnLst>
+                              <p:par>
+                                <p:cTn id="5" presetID="10" presetClass="entr" presetSubtype="0" fill="hold" grpId="0" nodeType="afterEffect">
+                                  <p:stCondLst>
+                                    <p:cond delay="0"/>
+                                  </p:stCondLst>
+                                  <p:childTnLst>
+                                    <p:set>
+                                      <p:cBhvr>
+                                        <p:cTn id="6" dur="1" fill="hold">
+                                          <p:stCondLst>
+                                            <p:cond delay="0"/>
+                                          </p:stCondLst>
+                                        </p:cTn>
+                                        <p:tgtEl>
+                                          <p:spTgt spid="3">
+                                            <p:txEl>
+                                              <p:pRg st="0" end="0"/>
+                                            </p:txEl>
+                                          </p:spTgt>
+                                        </p:tgtEl>
+                                        <p:attrNameLst>
+                                          <p:attrName>style.visibility</p:attrName>
+                                        </p:attrNameLst>
+                                      </p:cBhvr>
+                                      <p:to>
+                                        <p:strVal val="visible"/>
+                                      </p:to>
+                                    </p:set>
+                                    <p:animEffect transition="in" filter="fade">
+                                      <p:cBhvr>
+                                        <p:cTn id="7" dur="500"/>
+                                        <p:tgtEl>
+                                          <p:spTgt spid="3">
+                                            <p:txEl>
+                                              <p:pRg st="0" end="0"/>
+                                            </p:txEl>
+                                          </p:spTgt>
+                                        </p:tgtEl>
+                                      </p:cBhvr>
+                                    </p:animEffect>
+                                  </p:childTnLst>
+                                </p:cTn>
+                              </p:par>
+                            </p:childTnLst>
+                          </p:cTn>
+                        </p:par>
+                        <p:par>
+                          <p:cTn id="8" fill="hold">
+                            <p:stCondLst>
+                              <p:cond delay="500"/>
+                            </p:stCondLst>
+                            <p:childTnLst>
+                              <p:par>
+                                <p:cTn id="9" presetID="10" presetClass="entr" presetSubtype="0" fill="hold" grpId="0" nodeType="afterEffect">
+                                  <p:stCondLst>
+                                    <p:cond delay="0"/>
+                                  </p:stCondLst>
+                                  <p:childTnLst>
+                                    <p:set>
+                                      <p:cBhvr>
+                                        <p:cTn id="10" dur="1" fill="hold">
+                                          <p:stCondLst>
+                                            <p:cond delay="0"/>
+                                          </p:stCondLst>
+                                        </p:cTn>
+                                        <p:tgtEl>
+                                          <p:spTgt spid="3">
+                                            <p:txEl>
+                                              <p:pRg st="2" end="2"/>
+                                            </p:txEl>
+                                          </p:spTgt>
+                                        </p:tgtEl>
+                                        <p:attrNameLst>
+                                          <p:attrName>style.visibility</p:attrName>
+                                        </p:attrNameLst>
+                                      </p:cBhvr>
+                                      <p:to>
+                                        <p:strVal val="visible"/>
+                                      </p:to>
+                                    </p:set>
+                                    <p:animEffect transition="in" filter="fade">
+                                      <p:cBhvr>
+                                        <p:cTn id="11" dur="500"/>
+                                        <p:tgtEl>
+                                          <p:spTgt spid="3">
+                                            <p:txEl>
+                                              <p:pRg st="2" end="2"/>
+                                            </p:txEl>
+                                          </p:spTgt>
+                                        </p:tgtEl>
+                                      </p:cBhvr>
+                                    </p:animEffect>
+                                  </p:childTnLst>
+                                </p:cTn>
+                              </p:par>
+                            </p:childTnLst>
+                          </p:cTn>
+                        </p:par>
+                        <p:par>
+                          <p:cTn id="12" fill="hold">
+                            <p:stCondLst>
+                              <p:cond delay="1000"/>
+                            </p:stCondLst>
+                            <p:childTnLst>
+                              <p:par>
+                                <p:cTn id="13" presetID="10" presetClass="entr" presetSubtype="0" fill="hold" grpId="0" nodeType="afterEffect">
+                                  <p:stCondLst>
+                                    <p:cond delay="0"/>
+                                  </p:stCondLst>
+                                  <p:childTnLst>
+                                    <p:set>
+                                      <p:cBhvr>
+                                        <p:cTn id="14" dur="1" fill="hold">
+                                          <p:stCondLst>
+                                            <p:cond delay="0"/>
+                                          </p:stCondLst>
+                                        </p:cTn>
+                                        <p:tgtEl>
+                                          <p:spTgt spid="3">
+                                            <p:txEl>
+                                              <p:pRg st="3" end="3"/>
+                                            </p:txEl>
+                                          </p:spTgt>
+                                        </p:tgtEl>
+                                        <p:attrNameLst>
+                                          <p:attrName>style.visibility</p:attrName>
+                                        </p:attrNameLst>
+                                      </p:cBhvr>
+                                      <p:to>
+                                        <p:strVal val="visible"/>
+                                      </p:to>
+                                    </p:set>
+                                    <p:animEffect transition="in" filter="fade">
+                                      <p:cBhvr>
+                                        <p:cTn id="15" dur="500"/>
+                                        <p:tgtEl>
+                                          <p:spTgt spid="3">
+                                            <p:txEl>
+                                              <p:pRg st="3" end="3"/>
+                                            </p:txEl>
+                                          </p:spTgt>
+                                        </p:tgtEl>
+                                      </p:cBhvr>
+                                    </p:animEffect>
+                                  </p:childTnLst>
+                                </p:cTn>
+                              </p:par>
+                            </p:childTnLst>
+                          </p:cTn>
+                        </p:par>
+                        <p:par>
+                          <p:cTn id="16" fill="hold">
+                            <p:stCondLst>
+                              <p:cond delay="1500"/>
+                            </p:stCondLst>
+                            <p:childTnLst>
+                              <p:par>
+                                <p:cTn id="17" presetID="10" presetClass="entr" presetSubtype="0" fill="hold" grpId="0" nodeType="afterEffect">
+                                  <p:stCondLst>
+                                    <p:cond delay="0"/>
+                                  </p:stCondLst>
+                                  <p:childTnLst>
+                                    <p:set>
+                                      <p:cBhvr>
+                                        <p:cTn id="18" dur="1" fill="hold">
+                                          <p:stCondLst>
+                                            <p:cond delay="0"/>
+                                          </p:stCondLst>
+                                        </p:cTn>
+                                        <p:tgtEl>
+                                          <p:spTgt spid="3">
+                                            <p:txEl>
+                                              <p:pRg st="4" end="4"/>
+                                            </p:txEl>
+                                          </p:spTgt>
+                                        </p:tgtEl>
+                                        <p:attrNameLst>
+                                          <p:attrName>style.visibility</p:attrName>
+                                        </p:attrNameLst>
+                                      </p:cBhvr>
+                                      <p:to>
+                                        <p:strVal val="visible"/>
+                                      </p:to>
+                                    </p:set>
+                                    <p:animEffect transition="in" filter="fade">
+                                      <p:cBhvr>
+                                        <p:cTn id="19" dur="500"/>
+                                        <p:tgtEl>
+                                          <p:spTgt spid="3">
+                                            <p:txEl>
+                                              <p:pRg st="4" end="4"/>
+                                            </p:txEl>
+                                          </p:spTgt>
+                                        </p:tgtEl>
+                                      </p:cBhvr>
+                                    </p:animEffect>
+                                  </p:childTnLst>
+                                </p:cTn>
+                              </p:par>
+                            </p:childTnLst>
+                          </p:cTn>
+                        </p:par>
+                        <p:par>
+                          <p:cTn id="20" fill="hold">
+                            <p:stCondLst>
+                              <p:cond delay="2000"/>
+                            </p:stCondLst>
+                            <p:childTnLst>
+                              <p:par>
+                                <p:cTn id="21" presetID="10" presetClass="entr" presetSubtype="0" fill="hold" grpId="0" nodeType="afterEffect">
+                                  <p:stCondLst>
+                                    <p:cond delay="0"/>
+                                  </p:stCondLst>
+                                  <p:childTnLst>
+                                    <p:set>
+                                      <p:cBhvr>
+                                        <p:cTn id="22" dur="1" fill="hold">
+                                          <p:stCondLst>
+                                            <p:cond delay="0"/>
+                                          </p:stCondLst>
+                                        </p:cTn>
+                                        <p:tgtEl>
+                                          <p:spTgt spid="3">
+                                            <p:txEl>
+                                              <p:pRg st="5" end="5"/>
+                                            </p:txEl>
+                                          </p:spTgt>
+                                        </p:tgtEl>
+                                        <p:attrNameLst>
+                                          <p:attrName>style.visibility</p:attrName>
+                                        </p:attrNameLst>
+                                      </p:cBhvr>
+                                      <p:to>
+                                        <p:strVal val="visible"/>
+                                      </p:to>
+                                    </p:set>
+                                    <p:animEffect transition="in" filter="fade">
+                                      <p:cBhvr>
+                                        <p:cTn id="23" dur="500"/>
+                                        <p:tgtEl>
+                                          <p:spTgt spid="3">
+                                            <p:txEl>
+                                              <p:pRg st="5" end="5"/>
+                                            </p:txEl>
+                                          </p:spTgt>
+                                        </p:tgtEl>
+                                      </p:cBhvr>
+                                    </p:animEffect>
+                                  </p:childTnLst>
+                                </p:cTn>
+                              </p:par>
+                            </p:childTnLst>
+                          </p:cTn>
+                        </p:par>
+                      </p:childTnLst>
+                    </p:cTn>
+                  </p:par>
+                </p:childTnLst>
+              </p:cTn>
+              <p:prevCondLst>
+                <p:cond evt="onPrev" delay="0">
+                  <p:tgtEl>
+                    <p:sldTgt/>
+                  </p:tgtEl>
+                </p:cond>
+              </p:prevCondLst>
+              <p:nextCondLst>
+                <p:cond evt="onNext" delay="0">
+                  <p:tgtEl>
+                    <p:sldTgt/>
+                  </p:tgtEl>
+                </p:cond>
+              </p:nextCondLst>
+            </p:seq>
+          </p:childTnLst>
+        </p:cTn>
       </p:par>
     </p:tnLst>
+    <p:bldLst>
+      <p:bldP spid="3" grpId="0" uiExpand="1" build="p"/>
+    </p:bldLst>
   </p:timing>
 </p:sld>
 </file>
@@ -3673,7 +5387,7 @@
         </p:spPr>
         <p:txBody>
           <a:bodyPr>
-            <a:normAutofit/>
+            <a:normAutofit lnSpcReduction="10000"/>
           </a:bodyPr>
           <a:lstStyle/>
           <a:p>
@@ -3758,6 +5472,212 @@
           </a:p>
         </p:txBody>
       </p:sp>
+      <p:sp>
+        <p:nvSpPr>
+          <p:cNvPr id="4" name="Espace réservé de la date 3"/>
+          <p:cNvSpPr>
+            <a:spLocks noGrp="1"/>
+          </p:cNvSpPr>
+          <p:nvPr>
+            <p:ph type="dt" sz="half" idx="10"/>
+          </p:nvPr>
+        </p:nvSpPr>
+        <p:spPr/>
+        <p:txBody>
+          <a:bodyPr/>
+          <a:lstStyle/>
+          <a:p>
+            <a:fld id="{82623437-F9F2-48F1-AA4C-2CFD47EE04FF}" type="datetime1">
+              <a:rPr lang="fr-CH" smtClean="0"/>
+              <a:t>17.01.2017</a:t>
+            </a:fld>
+            <a:endParaRPr lang="fr-CH"/>
+          </a:p>
+        </p:txBody>
+      </p:sp>
+      <p:sp>
+        <p:nvSpPr>
+          <p:cNvPr id="7" name="Espace réservé du numéro de diapositive 6"/>
+          <p:cNvSpPr>
+            <a:spLocks noGrp="1"/>
+          </p:cNvSpPr>
+          <p:nvPr>
+            <p:ph type="sldNum" sz="quarter" idx="12"/>
+          </p:nvPr>
+        </p:nvSpPr>
+        <p:spPr>
+          <a:xfrm>
+            <a:off x="4487652" y="6356350"/>
+            <a:ext cx="323056" cy="365125"/>
+          </a:xfrm>
+        </p:spPr>
+        <p:txBody>
+          <a:bodyPr/>
+          <a:lstStyle/>
+          <a:p>
+            <a:fld id="{75BF8877-9514-4A8E-AAF7-2C96B263F211}" type="slidenum">
+              <a:rPr lang="fr-CH" smtClean="0"/>
+              <a:t>3</a:t>
+            </a:fld>
+            <a:endParaRPr lang="fr-CH" dirty="0"/>
+          </a:p>
+        </p:txBody>
+      </p:sp>
+      <p:sp>
+        <p:nvSpPr>
+          <p:cNvPr id="8" name="Espace réservé de la date 5"/>
+          <p:cNvSpPr txBox="1">
+            <a:spLocks/>
+          </p:cNvSpPr>
+          <p:nvPr/>
+        </p:nvSpPr>
+        <p:spPr>
+          <a:xfrm>
+            <a:off x="8196551" y="6356349"/>
+            <a:ext cx="857169" cy="365125"/>
+          </a:xfrm>
+          <a:prstGeom prst="rect">
+            <a:avLst/>
+          </a:prstGeom>
+        </p:spPr>
+        <p:txBody>
+          <a:bodyPr vert="horz" lIns="91440" tIns="45720" rIns="91440" bIns="45720" rtlCol="0" anchor="ctr"/>
+          <a:lstStyle>
+            <a:defPPr>
+              <a:defRPr lang="fr-FR"/>
+            </a:defPPr>
+            <a:lvl1pPr marL="0" algn="l" defTabSz="914400" rtl="0" eaLnBrk="1" latinLnBrk="0" hangingPunct="1">
+              <a:defRPr sz="1200" kern="1200">
+                <a:solidFill>
+                  <a:schemeClr val="bg1"/>
+                </a:solidFill>
+                <a:latin typeface="+mn-lt"/>
+                <a:ea typeface="+mn-ea"/>
+                <a:cs typeface="+mn-cs"/>
+              </a:defRPr>
+            </a:lvl1pPr>
+            <a:lvl2pPr marL="457200" algn="l" defTabSz="914400" rtl="0" eaLnBrk="1" latinLnBrk="0" hangingPunct="1">
+              <a:defRPr sz="1800" kern="1200">
+                <a:solidFill>
+                  <a:schemeClr val="tx1"/>
+                </a:solidFill>
+                <a:latin typeface="+mn-lt"/>
+                <a:ea typeface="+mn-ea"/>
+                <a:cs typeface="+mn-cs"/>
+              </a:defRPr>
+            </a:lvl2pPr>
+            <a:lvl3pPr marL="914400" algn="l" defTabSz="914400" rtl="0" eaLnBrk="1" latinLnBrk="0" hangingPunct="1">
+              <a:defRPr sz="1800" kern="1200">
+                <a:solidFill>
+                  <a:schemeClr val="tx1"/>
+                </a:solidFill>
+                <a:latin typeface="+mn-lt"/>
+                <a:ea typeface="+mn-ea"/>
+                <a:cs typeface="+mn-cs"/>
+              </a:defRPr>
+            </a:lvl3pPr>
+            <a:lvl4pPr marL="1371600" algn="l" defTabSz="914400" rtl="0" eaLnBrk="1" latinLnBrk="0" hangingPunct="1">
+              <a:defRPr sz="1800" kern="1200">
+                <a:solidFill>
+                  <a:schemeClr val="tx1"/>
+                </a:solidFill>
+                <a:latin typeface="+mn-lt"/>
+                <a:ea typeface="+mn-ea"/>
+                <a:cs typeface="+mn-cs"/>
+              </a:defRPr>
+            </a:lvl4pPr>
+            <a:lvl5pPr marL="1828800" algn="l" defTabSz="914400" rtl="0" eaLnBrk="1" latinLnBrk="0" hangingPunct="1">
+              <a:defRPr sz="1800" kern="1200">
+                <a:solidFill>
+                  <a:schemeClr val="tx1"/>
+                </a:solidFill>
+                <a:latin typeface="+mn-lt"/>
+                <a:ea typeface="+mn-ea"/>
+                <a:cs typeface="+mn-cs"/>
+              </a:defRPr>
+            </a:lvl5pPr>
+            <a:lvl6pPr marL="2286000" algn="l" defTabSz="914400" rtl="0" eaLnBrk="1" latinLnBrk="0" hangingPunct="1">
+              <a:defRPr sz="1800" kern="1200">
+                <a:solidFill>
+                  <a:schemeClr val="tx1"/>
+                </a:solidFill>
+                <a:latin typeface="+mn-lt"/>
+                <a:ea typeface="+mn-ea"/>
+                <a:cs typeface="+mn-cs"/>
+              </a:defRPr>
+            </a:lvl6pPr>
+            <a:lvl7pPr marL="2743200" algn="l" defTabSz="914400" rtl="0" eaLnBrk="1" latinLnBrk="0" hangingPunct="1">
+              <a:defRPr sz="1800" kern="1200">
+                <a:solidFill>
+                  <a:schemeClr val="tx1"/>
+                </a:solidFill>
+                <a:latin typeface="+mn-lt"/>
+                <a:ea typeface="+mn-ea"/>
+                <a:cs typeface="+mn-cs"/>
+              </a:defRPr>
+            </a:lvl7pPr>
+            <a:lvl8pPr marL="3200400" algn="l" defTabSz="914400" rtl="0" eaLnBrk="1" latinLnBrk="0" hangingPunct="1">
+              <a:defRPr sz="1800" kern="1200">
+                <a:solidFill>
+                  <a:schemeClr val="tx1"/>
+                </a:solidFill>
+                <a:latin typeface="+mn-lt"/>
+                <a:ea typeface="+mn-ea"/>
+                <a:cs typeface="+mn-cs"/>
+              </a:defRPr>
+            </a:lvl8pPr>
+            <a:lvl9pPr marL="3657600" algn="l" defTabSz="914400" rtl="0" eaLnBrk="1" latinLnBrk="0" hangingPunct="1">
+              <a:defRPr sz="1800" kern="1200">
+                <a:solidFill>
+                  <a:schemeClr val="tx1"/>
+                </a:solidFill>
+                <a:latin typeface="+mn-lt"/>
+                <a:ea typeface="+mn-ea"/>
+                <a:cs typeface="+mn-cs"/>
+              </a:defRPr>
+            </a:lvl9pPr>
+          </a:lstStyle>
+          <a:p>
+            <a:r>
+              <a:rPr lang="fr-CH" dirty="0"/>
+              <a:t>Projet C#</a:t>
+            </a:r>
+          </a:p>
+        </p:txBody>
+      </p:sp>
+      <p:pic>
+        <p:nvPicPr>
+          <p:cNvPr id="9" name="Graphique 8" descr="Papier"/>
+          <p:cNvPicPr>
+            <a:picLocks noChangeAspect="1"/>
+          </p:cNvPicPr>
+          <p:nvPr/>
+        </p:nvPicPr>
+        <p:blipFill>
+          <a:blip r:embed="rId2">
+            <a:extLst>
+              <a:ext uri="{28A0092B-C50C-407E-A947-70E740481C1C}">
+                <a14:useLocalDpi xmlns:a14="http://schemas.microsoft.com/office/drawing/2010/main" val="0"/>
+              </a:ext>
+              <a:ext uri="{96DAC541-7B7A-43D3-8B79-37D633B846F1}">
+                <asvg:svgBlip xmlns:asvg="http://schemas.microsoft.com/office/drawing/2016/SVG/main" r:embed="rId3"/>
+              </a:ext>
+            </a:extLst>
+          </a:blip>
+          <a:stretch>
+            <a:fillRect/>
+          </a:stretch>
+        </p:blipFill>
+        <p:spPr>
+          <a:xfrm>
+            <a:off x="4427984" y="6272836"/>
+            <a:ext cx="532150" cy="532150"/>
+          </a:xfrm>
+          <a:prstGeom prst="rect">
+            <a:avLst/>
+          </a:prstGeom>
+        </p:spPr>
+      </p:pic>
     </p:spTree>
     <p:extLst>
       <p:ext uri="{BB962C8B-B14F-4D97-AF65-F5344CB8AC3E}">
@@ -3768,12 +5688,322 @@
   <p:clrMapOvr>
     <a:masterClrMapping/>
   </p:clrMapOvr>
+  <mc:AlternateContent xmlns:mc="http://schemas.openxmlformats.org/markup-compatibility/2006">
+    <mc:Choice xmlns:p15="http://schemas.microsoft.com/office/powerpoint/2012/main" Requires="p15">
+      <p:transition xmlns:p14="http://schemas.microsoft.com/office/powerpoint/2010/main" spd="slow" p14:dur="1250">
+        <p15:prstTrans prst="pageCurlDouble" invX="1"/>
+      </p:transition>
+    </mc:Choice>
+    <mc:Fallback>
+      <p:transition spd="slow">
+        <p:fade/>
+      </p:transition>
+    </mc:Fallback>
+  </mc:AlternateContent>
   <p:timing>
     <p:tnLst>
       <p:par>
-        <p:cTn id="1" dur="indefinite" restart="never" nodeType="tmRoot"/>
+        <p:cTn id="1" dur="indefinite" restart="never" nodeType="tmRoot">
+          <p:childTnLst>
+            <p:seq concurrent="1" nextAc="seek">
+              <p:cTn id="2" dur="indefinite" nodeType="mainSeq">
+                <p:childTnLst>
+                  <p:par>
+                    <p:cTn id="3" fill="hold">
+                      <p:stCondLst>
+                        <p:cond delay="indefinite"/>
+                        <p:cond evt="onBegin" delay="0">
+                          <p:tn val="2"/>
+                        </p:cond>
+                      </p:stCondLst>
+                      <p:childTnLst>
+                        <p:par>
+                          <p:cTn id="4" fill="hold">
+                            <p:stCondLst>
+                              <p:cond delay="0"/>
+                            </p:stCondLst>
+                            <p:childTnLst>
+                              <p:par>
+                                <p:cTn id="5" presetID="10" presetClass="entr" presetSubtype="0" fill="hold" grpId="0" nodeType="afterEffect">
+                                  <p:stCondLst>
+                                    <p:cond delay="0"/>
+                                  </p:stCondLst>
+                                  <p:childTnLst>
+                                    <p:set>
+                                      <p:cBhvr>
+                                        <p:cTn id="6" dur="1" fill="hold">
+                                          <p:stCondLst>
+                                            <p:cond delay="0"/>
+                                          </p:stCondLst>
+                                        </p:cTn>
+                                        <p:tgtEl>
+                                          <p:spTgt spid="3">
+                                            <p:txEl>
+                                              <p:pRg st="0" end="0"/>
+                                            </p:txEl>
+                                          </p:spTgt>
+                                        </p:tgtEl>
+                                        <p:attrNameLst>
+                                          <p:attrName>style.visibility</p:attrName>
+                                        </p:attrNameLst>
+                                      </p:cBhvr>
+                                      <p:to>
+                                        <p:strVal val="visible"/>
+                                      </p:to>
+                                    </p:set>
+                                    <p:animEffect transition="in" filter="fade">
+                                      <p:cBhvr>
+                                        <p:cTn id="7" dur="500"/>
+                                        <p:tgtEl>
+                                          <p:spTgt spid="3">
+                                            <p:txEl>
+                                              <p:pRg st="0" end="0"/>
+                                            </p:txEl>
+                                          </p:spTgt>
+                                        </p:tgtEl>
+                                      </p:cBhvr>
+                                    </p:animEffect>
+                                  </p:childTnLst>
+                                </p:cTn>
+                              </p:par>
+                            </p:childTnLst>
+                          </p:cTn>
+                        </p:par>
+                        <p:par>
+                          <p:cTn id="8" fill="hold">
+                            <p:stCondLst>
+                              <p:cond delay="500"/>
+                            </p:stCondLst>
+                            <p:childTnLst>
+                              <p:par>
+                                <p:cTn id="9" presetID="10" presetClass="entr" presetSubtype="0" fill="hold" grpId="0" nodeType="afterEffect">
+                                  <p:stCondLst>
+                                    <p:cond delay="0"/>
+                                  </p:stCondLst>
+                                  <p:childTnLst>
+                                    <p:set>
+                                      <p:cBhvr>
+                                        <p:cTn id="10" dur="1" fill="hold">
+                                          <p:stCondLst>
+                                            <p:cond delay="0"/>
+                                          </p:stCondLst>
+                                        </p:cTn>
+                                        <p:tgtEl>
+                                          <p:spTgt spid="3">
+                                            <p:txEl>
+                                              <p:pRg st="1" end="1"/>
+                                            </p:txEl>
+                                          </p:spTgt>
+                                        </p:tgtEl>
+                                        <p:attrNameLst>
+                                          <p:attrName>style.visibility</p:attrName>
+                                        </p:attrNameLst>
+                                      </p:cBhvr>
+                                      <p:to>
+                                        <p:strVal val="visible"/>
+                                      </p:to>
+                                    </p:set>
+                                    <p:animEffect transition="in" filter="fade">
+                                      <p:cBhvr>
+                                        <p:cTn id="11" dur="500"/>
+                                        <p:tgtEl>
+                                          <p:spTgt spid="3">
+                                            <p:txEl>
+                                              <p:pRg st="1" end="1"/>
+                                            </p:txEl>
+                                          </p:spTgt>
+                                        </p:tgtEl>
+                                      </p:cBhvr>
+                                    </p:animEffect>
+                                  </p:childTnLst>
+                                </p:cTn>
+                              </p:par>
+                            </p:childTnLst>
+                          </p:cTn>
+                        </p:par>
+                        <p:par>
+                          <p:cTn id="12" fill="hold">
+                            <p:stCondLst>
+                              <p:cond delay="1000"/>
+                            </p:stCondLst>
+                            <p:childTnLst>
+                              <p:par>
+                                <p:cTn id="13" presetID="10" presetClass="entr" presetSubtype="0" fill="hold" grpId="0" nodeType="afterEffect">
+                                  <p:stCondLst>
+                                    <p:cond delay="0"/>
+                                  </p:stCondLst>
+                                  <p:childTnLst>
+                                    <p:set>
+                                      <p:cBhvr>
+                                        <p:cTn id="14" dur="1" fill="hold">
+                                          <p:stCondLst>
+                                            <p:cond delay="0"/>
+                                          </p:stCondLst>
+                                        </p:cTn>
+                                        <p:tgtEl>
+                                          <p:spTgt spid="3">
+                                            <p:txEl>
+                                              <p:pRg st="2" end="2"/>
+                                            </p:txEl>
+                                          </p:spTgt>
+                                        </p:tgtEl>
+                                        <p:attrNameLst>
+                                          <p:attrName>style.visibility</p:attrName>
+                                        </p:attrNameLst>
+                                      </p:cBhvr>
+                                      <p:to>
+                                        <p:strVal val="visible"/>
+                                      </p:to>
+                                    </p:set>
+                                    <p:animEffect transition="in" filter="fade">
+                                      <p:cBhvr>
+                                        <p:cTn id="15" dur="500"/>
+                                        <p:tgtEl>
+                                          <p:spTgt spid="3">
+                                            <p:txEl>
+                                              <p:pRg st="2" end="2"/>
+                                            </p:txEl>
+                                          </p:spTgt>
+                                        </p:tgtEl>
+                                      </p:cBhvr>
+                                    </p:animEffect>
+                                  </p:childTnLst>
+                                </p:cTn>
+                              </p:par>
+                            </p:childTnLst>
+                          </p:cTn>
+                        </p:par>
+                        <p:par>
+                          <p:cTn id="16" fill="hold">
+                            <p:stCondLst>
+                              <p:cond delay="1500"/>
+                            </p:stCondLst>
+                            <p:childTnLst>
+                              <p:par>
+                                <p:cTn id="17" presetID="10" presetClass="entr" presetSubtype="0" fill="hold" grpId="0" nodeType="afterEffect">
+                                  <p:stCondLst>
+                                    <p:cond delay="0"/>
+                                  </p:stCondLst>
+                                  <p:childTnLst>
+                                    <p:set>
+                                      <p:cBhvr>
+                                        <p:cTn id="18" dur="1" fill="hold">
+                                          <p:stCondLst>
+                                            <p:cond delay="0"/>
+                                          </p:stCondLst>
+                                        </p:cTn>
+                                        <p:tgtEl>
+                                          <p:spTgt spid="3">
+                                            <p:txEl>
+                                              <p:pRg st="3" end="3"/>
+                                            </p:txEl>
+                                          </p:spTgt>
+                                        </p:tgtEl>
+                                        <p:attrNameLst>
+                                          <p:attrName>style.visibility</p:attrName>
+                                        </p:attrNameLst>
+                                      </p:cBhvr>
+                                      <p:to>
+                                        <p:strVal val="visible"/>
+                                      </p:to>
+                                    </p:set>
+                                    <p:animEffect transition="in" filter="fade">
+                                      <p:cBhvr>
+                                        <p:cTn id="19" dur="500"/>
+                                        <p:tgtEl>
+                                          <p:spTgt spid="3">
+                                            <p:txEl>
+                                              <p:pRg st="3" end="3"/>
+                                            </p:txEl>
+                                          </p:spTgt>
+                                        </p:tgtEl>
+                                      </p:cBhvr>
+                                    </p:animEffect>
+                                  </p:childTnLst>
+                                </p:cTn>
+                              </p:par>
+                            </p:childTnLst>
+                          </p:cTn>
+                        </p:par>
+                        <p:par>
+                          <p:cTn id="20" fill="hold">
+                            <p:stCondLst>
+                              <p:cond delay="2000"/>
+                            </p:stCondLst>
+                            <p:childTnLst>
+                              <p:par>
+                                <p:cTn id="21" presetID="10" presetClass="entr" presetSubtype="0" fill="hold" grpId="0" nodeType="afterEffect">
+                                  <p:stCondLst>
+                                    <p:cond delay="0"/>
+                                  </p:stCondLst>
+                                  <p:childTnLst>
+                                    <p:set>
+                                      <p:cBhvr>
+                                        <p:cTn id="22" dur="1" fill="hold">
+                                          <p:stCondLst>
+                                            <p:cond delay="0"/>
+                                          </p:stCondLst>
+                                        </p:cTn>
+                                        <p:tgtEl>
+                                          <p:spTgt spid="3">
+                                            <p:txEl>
+                                              <p:pRg st="4" end="4"/>
+                                            </p:txEl>
+                                          </p:spTgt>
+                                        </p:tgtEl>
+                                        <p:attrNameLst>
+                                          <p:attrName>style.visibility</p:attrName>
+                                        </p:attrNameLst>
+                                      </p:cBhvr>
+                                      <p:to>
+                                        <p:strVal val="visible"/>
+                                      </p:to>
+                                    </p:set>
+                                    <p:animEffect transition="in" filter="fade">
+                                      <p:cBhvr>
+                                        <p:cTn id="23" dur="500"/>
+                                        <p:tgtEl>
+                                          <p:spTgt spid="3">
+                                            <p:txEl>
+                                              <p:pRg st="4" end="4"/>
+                                            </p:txEl>
+                                          </p:spTgt>
+                                        </p:tgtEl>
+                                      </p:cBhvr>
+                                    </p:animEffect>
+                                  </p:childTnLst>
+                                </p:cTn>
+                              </p:par>
+                            </p:childTnLst>
+                          </p:cTn>
+                        </p:par>
+                      </p:childTnLst>
+                    </p:cTn>
+                  </p:par>
+                </p:childTnLst>
+              </p:cTn>
+              <p:prevCondLst>
+                <p:cond evt="onPrev" delay="0">
+                  <p:tgtEl>
+                    <p:sldTgt/>
+                  </p:tgtEl>
+                </p:cond>
+              </p:prevCondLst>
+              <p:nextCondLst>
+                <p:cond evt="onNext" delay="0">
+                  <p:tgtEl>
+                    <p:sldTgt/>
+                  </p:tgtEl>
+                </p:cond>
+              </p:nextCondLst>
+            </p:seq>
+          </p:childTnLst>
+        </p:cTn>
       </p:par>
     </p:tnLst>
+    <p:bldLst>
+      <p:bldP spid="3" grpId="0" uiExpand="1" build="p"/>
+    </p:bldLst>
   </p:timing>
 </p:sld>
 </file>
@@ -3872,7 +6102,7 @@
               <a:t>Mini explication de </a:t>
             </a:r>
             <a:r>
-              <a:rPr lang="fr-FR" dirty="0" err="1" smtClean="0">
+              <a:rPr lang="fr-FR" dirty="0" err="1">
                 <a:latin typeface="Adobe Caslon Pro Bold" pitchFamily="18" charset="0"/>
               </a:rPr>
               <a:t>Pacman</a:t>
@@ -3889,6 +6119,212 @@
           </a:p>
         </p:txBody>
       </p:sp>
+      <p:sp>
+        <p:nvSpPr>
+          <p:cNvPr id="4" name="Espace réservé de la date 3"/>
+          <p:cNvSpPr>
+            <a:spLocks noGrp="1"/>
+          </p:cNvSpPr>
+          <p:nvPr>
+            <p:ph type="dt" sz="half" idx="10"/>
+          </p:nvPr>
+        </p:nvSpPr>
+        <p:spPr/>
+        <p:txBody>
+          <a:bodyPr/>
+          <a:lstStyle/>
+          <a:p>
+            <a:fld id="{BE157C6F-D00C-417B-A7FD-3D6FB09FEA4D}" type="datetime1">
+              <a:rPr lang="fr-CH" smtClean="0"/>
+              <a:t>17.01.2017</a:t>
+            </a:fld>
+            <a:endParaRPr lang="fr-CH"/>
+          </a:p>
+        </p:txBody>
+      </p:sp>
+      <p:sp>
+        <p:nvSpPr>
+          <p:cNvPr id="7" name="Espace réservé du numéro de diapositive 6"/>
+          <p:cNvSpPr>
+            <a:spLocks noGrp="1"/>
+          </p:cNvSpPr>
+          <p:nvPr>
+            <p:ph type="sldNum" sz="quarter" idx="12"/>
+          </p:nvPr>
+        </p:nvSpPr>
+        <p:spPr>
+          <a:xfrm>
+            <a:off x="4487652" y="6356350"/>
+            <a:ext cx="323056" cy="365125"/>
+          </a:xfrm>
+        </p:spPr>
+        <p:txBody>
+          <a:bodyPr/>
+          <a:lstStyle/>
+          <a:p>
+            <a:fld id="{75BF8877-9514-4A8E-AAF7-2C96B263F211}" type="slidenum">
+              <a:rPr lang="fr-CH" smtClean="0"/>
+              <a:t>4</a:t>
+            </a:fld>
+            <a:endParaRPr lang="fr-CH" dirty="0"/>
+          </a:p>
+        </p:txBody>
+      </p:sp>
+      <p:sp>
+        <p:nvSpPr>
+          <p:cNvPr id="8" name="Espace réservé de la date 5"/>
+          <p:cNvSpPr txBox="1">
+            <a:spLocks/>
+          </p:cNvSpPr>
+          <p:nvPr/>
+        </p:nvSpPr>
+        <p:spPr>
+          <a:xfrm>
+            <a:off x="8196551" y="6356349"/>
+            <a:ext cx="857169" cy="365125"/>
+          </a:xfrm>
+          <a:prstGeom prst="rect">
+            <a:avLst/>
+          </a:prstGeom>
+        </p:spPr>
+        <p:txBody>
+          <a:bodyPr vert="horz" lIns="91440" tIns="45720" rIns="91440" bIns="45720" rtlCol="0" anchor="ctr"/>
+          <a:lstStyle>
+            <a:defPPr>
+              <a:defRPr lang="fr-FR"/>
+            </a:defPPr>
+            <a:lvl1pPr marL="0" algn="l" defTabSz="914400" rtl="0" eaLnBrk="1" latinLnBrk="0" hangingPunct="1">
+              <a:defRPr sz="1200" kern="1200">
+                <a:solidFill>
+                  <a:schemeClr val="bg1"/>
+                </a:solidFill>
+                <a:latin typeface="+mn-lt"/>
+                <a:ea typeface="+mn-ea"/>
+                <a:cs typeface="+mn-cs"/>
+              </a:defRPr>
+            </a:lvl1pPr>
+            <a:lvl2pPr marL="457200" algn="l" defTabSz="914400" rtl="0" eaLnBrk="1" latinLnBrk="0" hangingPunct="1">
+              <a:defRPr sz="1800" kern="1200">
+                <a:solidFill>
+                  <a:schemeClr val="tx1"/>
+                </a:solidFill>
+                <a:latin typeface="+mn-lt"/>
+                <a:ea typeface="+mn-ea"/>
+                <a:cs typeface="+mn-cs"/>
+              </a:defRPr>
+            </a:lvl2pPr>
+            <a:lvl3pPr marL="914400" algn="l" defTabSz="914400" rtl="0" eaLnBrk="1" latinLnBrk="0" hangingPunct="1">
+              <a:defRPr sz="1800" kern="1200">
+                <a:solidFill>
+                  <a:schemeClr val="tx1"/>
+                </a:solidFill>
+                <a:latin typeface="+mn-lt"/>
+                <a:ea typeface="+mn-ea"/>
+                <a:cs typeface="+mn-cs"/>
+              </a:defRPr>
+            </a:lvl3pPr>
+            <a:lvl4pPr marL="1371600" algn="l" defTabSz="914400" rtl="0" eaLnBrk="1" latinLnBrk="0" hangingPunct="1">
+              <a:defRPr sz="1800" kern="1200">
+                <a:solidFill>
+                  <a:schemeClr val="tx1"/>
+                </a:solidFill>
+                <a:latin typeface="+mn-lt"/>
+                <a:ea typeface="+mn-ea"/>
+                <a:cs typeface="+mn-cs"/>
+              </a:defRPr>
+            </a:lvl4pPr>
+            <a:lvl5pPr marL="1828800" algn="l" defTabSz="914400" rtl="0" eaLnBrk="1" latinLnBrk="0" hangingPunct="1">
+              <a:defRPr sz="1800" kern="1200">
+                <a:solidFill>
+                  <a:schemeClr val="tx1"/>
+                </a:solidFill>
+                <a:latin typeface="+mn-lt"/>
+                <a:ea typeface="+mn-ea"/>
+                <a:cs typeface="+mn-cs"/>
+              </a:defRPr>
+            </a:lvl5pPr>
+            <a:lvl6pPr marL="2286000" algn="l" defTabSz="914400" rtl="0" eaLnBrk="1" latinLnBrk="0" hangingPunct="1">
+              <a:defRPr sz="1800" kern="1200">
+                <a:solidFill>
+                  <a:schemeClr val="tx1"/>
+                </a:solidFill>
+                <a:latin typeface="+mn-lt"/>
+                <a:ea typeface="+mn-ea"/>
+                <a:cs typeface="+mn-cs"/>
+              </a:defRPr>
+            </a:lvl6pPr>
+            <a:lvl7pPr marL="2743200" algn="l" defTabSz="914400" rtl="0" eaLnBrk="1" latinLnBrk="0" hangingPunct="1">
+              <a:defRPr sz="1800" kern="1200">
+                <a:solidFill>
+                  <a:schemeClr val="tx1"/>
+                </a:solidFill>
+                <a:latin typeface="+mn-lt"/>
+                <a:ea typeface="+mn-ea"/>
+                <a:cs typeface="+mn-cs"/>
+              </a:defRPr>
+            </a:lvl7pPr>
+            <a:lvl8pPr marL="3200400" algn="l" defTabSz="914400" rtl="0" eaLnBrk="1" latinLnBrk="0" hangingPunct="1">
+              <a:defRPr sz="1800" kern="1200">
+                <a:solidFill>
+                  <a:schemeClr val="tx1"/>
+                </a:solidFill>
+                <a:latin typeface="+mn-lt"/>
+                <a:ea typeface="+mn-ea"/>
+                <a:cs typeface="+mn-cs"/>
+              </a:defRPr>
+            </a:lvl8pPr>
+            <a:lvl9pPr marL="3657600" algn="l" defTabSz="914400" rtl="0" eaLnBrk="1" latinLnBrk="0" hangingPunct="1">
+              <a:defRPr sz="1800" kern="1200">
+                <a:solidFill>
+                  <a:schemeClr val="tx1"/>
+                </a:solidFill>
+                <a:latin typeface="+mn-lt"/>
+                <a:ea typeface="+mn-ea"/>
+                <a:cs typeface="+mn-cs"/>
+              </a:defRPr>
+            </a:lvl9pPr>
+          </a:lstStyle>
+          <a:p>
+            <a:r>
+              <a:rPr lang="fr-CH" dirty="0"/>
+              <a:t>Projet C#</a:t>
+            </a:r>
+          </a:p>
+        </p:txBody>
+      </p:sp>
+      <p:pic>
+        <p:nvPicPr>
+          <p:cNvPr id="9" name="Graphique 8" descr="Papier"/>
+          <p:cNvPicPr>
+            <a:picLocks noChangeAspect="1"/>
+          </p:cNvPicPr>
+          <p:nvPr/>
+        </p:nvPicPr>
+        <p:blipFill>
+          <a:blip r:embed="rId2">
+            <a:extLst>
+              <a:ext uri="{28A0092B-C50C-407E-A947-70E740481C1C}">
+                <a14:useLocalDpi xmlns:a14="http://schemas.microsoft.com/office/drawing/2010/main" val="0"/>
+              </a:ext>
+              <a:ext uri="{96DAC541-7B7A-43D3-8B79-37D633B846F1}">
+                <asvg:svgBlip xmlns:asvg="http://schemas.microsoft.com/office/drawing/2016/SVG/main" r:embed="rId3"/>
+              </a:ext>
+            </a:extLst>
+          </a:blip>
+          <a:stretch>
+            <a:fillRect/>
+          </a:stretch>
+        </p:blipFill>
+        <p:spPr>
+          <a:xfrm>
+            <a:off x="4427984" y="6272836"/>
+            <a:ext cx="532150" cy="532150"/>
+          </a:xfrm>
+          <a:prstGeom prst="rect">
+            <a:avLst/>
+          </a:prstGeom>
+        </p:spPr>
+      </p:pic>
     </p:spTree>
     <p:extLst>
       <p:ext uri="{BB962C8B-B14F-4D97-AF65-F5344CB8AC3E}">
@@ -3899,12 +6335,114 @@
   <p:clrMapOvr>
     <a:masterClrMapping/>
   </p:clrMapOvr>
+  <mc:AlternateContent xmlns:mc="http://schemas.openxmlformats.org/markup-compatibility/2006">
+    <mc:Choice xmlns:p15="http://schemas.microsoft.com/office/powerpoint/2012/main" Requires="p15">
+      <p:transition xmlns:p14="http://schemas.microsoft.com/office/powerpoint/2010/main" spd="slow" p14:dur="1250">
+        <p15:prstTrans prst="pageCurlDouble" invX="1"/>
+      </p:transition>
+    </mc:Choice>
+    <mc:Fallback>
+      <p:transition spd="slow">
+        <p:fade/>
+      </p:transition>
+    </mc:Fallback>
+  </mc:AlternateContent>
   <p:timing>
     <p:tnLst>
       <p:par>
-        <p:cTn id="1" dur="indefinite" restart="never" nodeType="tmRoot"/>
+        <p:cTn id="1" dur="indefinite" restart="never" nodeType="tmRoot">
+          <p:childTnLst>
+            <p:seq concurrent="1" nextAc="seek">
+              <p:cTn id="2" dur="indefinite" nodeType="mainSeq">
+                <p:childTnLst>
+                  <p:par>
+                    <p:cTn id="3" fill="hold">
+                      <p:stCondLst>
+                        <p:cond delay="indefinite"/>
+                        <p:cond evt="onBegin" delay="0">
+                          <p:tn val="2"/>
+                        </p:cond>
+                      </p:stCondLst>
+                      <p:childTnLst>
+                        <p:par>
+                          <p:cTn id="4" fill="hold">
+                            <p:stCondLst>
+                              <p:cond delay="0"/>
+                            </p:stCondLst>
+                            <p:childTnLst>
+                              <p:par>
+                                <p:cTn id="5" presetID="10" presetClass="entr" presetSubtype="0" fill="hold" grpId="0" nodeType="afterEffect">
+                                  <p:stCondLst>
+                                    <p:cond delay="0"/>
+                                  </p:stCondLst>
+                                  <p:childTnLst>
+                                    <p:set>
+                                      <p:cBhvr>
+                                        <p:cTn id="6" dur="1" fill="hold">
+                                          <p:stCondLst>
+                                            <p:cond delay="0"/>
+                                          </p:stCondLst>
+                                        </p:cTn>
+                                        <p:tgtEl>
+                                          <p:spTgt spid="3">
+                                            <p:txEl>
+                                              <p:pRg st="0" end="0"/>
+                                            </p:txEl>
+                                          </p:spTgt>
+                                        </p:tgtEl>
+                                        <p:attrNameLst>
+                                          <p:attrName>style.visibility</p:attrName>
+                                        </p:attrNameLst>
+                                      </p:cBhvr>
+                                      <p:to>
+                                        <p:strVal val="visible"/>
+                                      </p:to>
+                                    </p:set>
+                                    <p:animEffect transition="in" filter="fade">
+                                      <p:cBhvr>
+                                        <p:cTn id="7" dur="500"/>
+                                        <p:tgtEl>
+                                          <p:spTgt spid="3">
+                                            <p:txEl>
+                                              <p:pRg st="0" end="0"/>
+                                            </p:txEl>
+                                          </p:spTgt>
+                                        </p:tgtEl>
+                                      </p:cBhvr>
+                                    </p:animEffect>
+                                  </p:childTnLst>
+                                </p:cTn>
+                              </p:par>
+                            </p:childTnLst>
+                          </p:cTn>
+                        </p:par>
+                      </p:childTnLst>
+                    </p:cTn>
+                  </p:par>
+                </p:childTnLst>
+              </p:cTn>
+              <p:prevCondLst>
+                <p:cond evt="onPrev" delay="0">
+                  <p:tgtEl>
+                    <p:sldTgt/>
+                  </p:tgtEl>
+                </p:cond>
+              </p:prevCondLst>
+              <p:nextCondLst>
+                <p:cond evt="onNext" delay="0">
+                  <p:tgtEl>
+                    <p:sldTgt/>
+                  </p:tgtEl>
+                </p:cond>
+              </p:nextCondLst>
+            </p:seq>
+          </p:childTnLst>
+        </p:cTn>
       </p:par>
     </p:tnLst>
+    <p:bldLst>
+      <p:bldP spid="3" grpId="0" build="p"/>
+    </p:bldLst>
   </p:timing>
 </p:sld>
 </file>
@@ -3979,7 +6517,12 @@
             <p:ph idx="1"/>
           </p:nvPr>
         </p:nvSpPr>
-        <p:spPr/>
+        <p:spPr>
+          <a:xfrm>
+            <a:off x="384679" y="2332037"/>
+            <a:ext cx="8229600" cy="2753147"/>
+          </a:xfrm>
+        </p:spPr>
         <p:txBody>
           <a:bodyPr>
             <a:normAutofit/>
@@ -3990,29 +6533,8 @@
               <a:rPr lang="fr-CH" dirty="0">
                 <a:latin typeface="Adobe Caslon Pro Bold" pitchFamily="18" charset="0"/>
               </a:rPr>
-              <a:t>K</a:t>
-            </a:r>
-            <a:r>
-              <a:rPr lang="fr-CH" dirty="0">
-                <a:latin typeface="Adobe Caslon Pro Bold" pitchFamily="18" charset="0"/>
-              </a:rPr>
-              <a:t>:\SI-CMI2a\Divers\progs_c</a:t>
-            </a:r>
-            <a:r>
-              <a:rPr lang="fr-CH" dirty="0">
-                <a:latin typeface="Adobe Caslon Pro Bold" pitchFamily="18" charset="0"/>
-              </a:rPr>
-              <a:t>#\</a:t>
-            </a:r>
-            <a:r>
-              <a:rPr lang="fr-CH" dirty="0" smtClean="0">
-                <a:latin typeface="Adobe Caslon Pro Bold" pitchFamily="18" charset="0"/>
-              </a:rPr>
-              <a:t>Pacman Installer.exe</a:t>
-            </a:r>
-            <a:endParaRPr lang="fr-CH" dirty="0">
-              <a:latin typeface="Adobe Caslon Pro Bold" pitchFamily="18" charset="0"/>
-            </a:endParaRPr>
+              <a:t>K:\SI-CMI2a\Divers\progs_c#\Pacman Installer.exe</a:t>
+            </a:r>
           </a:p>
           <a:p>
             <a:endParaRPr lang="fr-FR" dirty="0">
@@ -4032,6 +6554,212 @@
           </a:p>
         </p:txBody>
       </p:sp>
+      <p:sp>
+        <p:nvSpPr>
+          <p:cNvPr id="4" name="Espace réservé de la date 3"/>
+          <p:cNvSpPr>
+            <a:spLocks noGrp="1"/>
+          </p:cNvSpPr>
+          <p:nvPr>
+            <p:ph type="dt" sz="half" idx="10"/>
+          </p:nvPr>
+        </p:nvSpPr>
+        <p:spPr/>
+        <p:txBody>
+          <a:bodyPr/>
+          <a:lstStyle/>
+          <a:p>
+            <a:fld id="{3C3A5141-3614-4201-BA51-70FF67D4A3ED}" type="datetime1">
+              <a:rPr lang="fr-CH" smtClean="0"/>
+              <a:t>17.01.2017</a:t>
+            </a:fld>
+            <a:endParaRPr lang="fr-CH"/>
+          </a:p>
+        </p:txBody>
+      </p:sp>
+      <p:sp>
+        <p:nvSpPr>
+          <p:cNvPr id="7" name="Espace réservé du numéro de diapositive 6"/>
+          <p:cNvSpPr>
+            <a:spLocks noGrp="1"/>
+          </p:cNvSpPr>
+          <p:nvPr>
+            <p:ph type="sldNum" sz="quarter" idx="12"/>
+          </p:nvPr>
+        </p:nvSpPr>
+        <p:spPr>
+          <a:xfrm>
+            <a:off x="4487652" y="6356350"/>
+            <a:ext cx="323056" cy="365125"/>
+          </a:xfrm>
+        </p:spPr>
+        <p:txBody>
+          <a:bodyPr/>
+          <a:lstStyle/>
+          <a:p>
+            <a:fld id="{75BF8877-9514-4A8E-AAF7-2C96B263F211}" type="slidenum">
+              <a:rPr lang="fr-CH" smtClean="0"/>
+              <a:t>5</a:t>
+            </a:fld>
+            <a:endParaRPr lang="fr-CH" dirty="0"/>
+          </a:p>
+        </p:txBody>
+      </p:sp>
+      <p:sp>
+        <p:nvSpPr>
+          <p:cNvPr id="8" name="Espace réservé de la date 5"/>
+          <p:cNvSpPr txBox="1">
+            <a:spLocks/>
+          </p:cNvSpPr>
+          <p:nvPr/>
+        </p:nvSpPr>
+        <p:spPr>
+          <a:xfrm>
+            <a:off x="8196551" y="6356349"/>
+            <a:ext cx="857169" cy="365125"/>
+          </a:xfrm>
+          <a:prstGeom prst="rect">
+            <a:avLst/>
+          </a:prstGeom>
+        </p:spPr>
+        <p:txBody>
+          <a:bodyPr vert="horz" lIns="91440" tIns="45720" rIns="91440" bIns="45720" rtlCol="0" anchor="ctr"/>
+          <a:lstStyle>
+            <a:defPPr>
+              <a:defRPr lang="fr-FR"/>
+            </a:defPPr>
+            <a:lvl1pPr marL="0" algn="l" defTabSz="914400" rtl="0" eaLnBrk="1" latinLnBrk="0" hangingPunct="1">
+              <a:defRPr sz="1200" kern="1200">
+                <a:solidFill>
+                  <a:schemeClr val="bg1"/>
+                </a:solidFill>
+                <a:latin typeface="+mn-lt"/>
+                <a:ea typeface="+mn-ea"/>
+                <a:cs typeface="+mn-cs"/>
+              </a:defRPr>
+            </a:lvl1pPr>
+            <a:lvl2pPr marL="457200" algn="l" defTabSz="914400" rtl="0" eaLnBrk="1" latinLnBrk="0" hangingPunct="1">
+              <a:defRPr sz="1800" kern="1200">
+                <a:solidFill>
+                  <a:schemeClr val="tx1"/>
+                </a:solidFill>
+                <a:latin typeface="+mn-lt"/>
+                <a:ea typeface="+mn-ea"/>
+                <a:cs typeface="+mn-cs"/>
+              </a:defRPr>
+            </a:lvl2pPr>
+            <a:lvl3pPr marL="914400" algn="l" defTabSz="914400" rtl="0" eaLnBrk="1" latinLnBrk="0" hangingPunct="1">
+              <a:defRPr sz="1800" kern="1200">
+                <a:solidFill>
+                  <a:schemeClr val="tx1"/>
+                </a:solidFill>
+                <a:latin typeface="+mn-lt"/>
+                <a:ea typeface="+mn-ea"/>
+                <a:cs typeface="+mn-cs"/>
+              </a:defRPr>
+            </a:lvl3pPr>
+            <a:lvl4pPr marL="1371600" algn="l" defTabSz="914400" rtl="0" eaLnBrk="1" latinLnBrk="0" hangingPunct="1">
+              <a:defRPr sz="1800" kern="1200">
+                <a:solidFill>
+                  <a:schemeClr val="tx1"/>
+                </a:solidFill>
+                <a:latin typeface="+mn-lt"/>
+                <a:ea typeface="+mn-ea"/>
+                <a:cs typeface="+mn-cs"/>
+              </a:defRPr>
+            </a:lvl4pPr>
+            <a:lvl5pPr marL="1828800" algn="l" defTabSz="914400" rtl="0" eaLnBrk="1" latinLnBrk="0" hangingPunct="1">
+              <a:defRPr sz="1800" kern="1200">
+                <a:solidFill>
+                  <a:schemeClr val="tx1"/>
+                </a:solidFill>
+                <a:latin typeface="+mn-lt"/>
+                <a:ea typeface="+mn-ea"/>
+                <a:cs typeface="+mn-cs"/>
+              </a:defRPr>
+            </a:lvl5pPr>
+            <a:lvl6pPr marL="2286000" algn="l" defTabSz="914400" rtl="0" eaLnBrk="1" latinLnBrk="0" hangingPunct="1">
+              <a:defRPr sz="1800" kern="1200">
+                <a:solidFill>
+                  <a:schemeClr val="tx1"/>
+                </a:solidFill>
+                <a:latin typeface="+mn-lt"/>
+                <a:ea typeface="+mn-ea"/>
+                <a:cs typeface="+mn-cs"/>
+              </a:defRPr>
+            </a:lvl6pPr>
+            <a:lvl7pPr marL="2743200" algn="l" defTabSz="914400" rtl="0" eaLnBrk="1" latinLnBrk="0" hangingPunct="1">
+              <a:defRPr sz="1800" kern="1200">
+                <a:solidFill>
+                  <a:schemeClr val="tx1"/>
+                </a:solidFill>
+                <a:latin typeface="+mn-lt"/>
+                <a:ea typeface="+mn-ea"/>
+                <a:cs typeface="+mn-cs"/>
+              </a:defRPr>
+            </a:lvl7pPr>
+            <a:lvl8pPr marL="3200400" algn="l" defTabSz="914400" rtl="0" eaLnBrk="1" latinLnBrk="0" hangingPunct="1">
+              <a:defRPr sz="1800" kern="1200">
+                <a:solidFill>
+                  <a:schemeClr val="tx1"/>
+                </a:solidFill>
+                <a:latin typeface="+mn-lt"/>
+                <a:ea typeface="+mn-ea"/>
+                <a:cs typeface="+mn-cs"/>
+              </a:defRPr>
+            </a:lvl8pPr>
+            <a:lvl9pPr marL="3657600" algn="l" defTabSz="914400" rtl="0" eaLnBrk="1" latinLnBrk="0" hangingPunct="1">
+              <a:defRPr sz="1800" kern="1200">
+                <a:solidFill>
+                  <a:schemeClr val="tx1"/>
+                </a:solidFill>
+                <a:latin typeface="+mn-lt"/>
+                <a:ea typeface="+mn-ea"/>
+                <a:cs typeface="+mn-cs"/>
+              </a:defRPr>
+            </a:lvl9pPr>
+          </a:lstStyle>
+          <a:p>
+            <a:r>
+              <a:rPr lang="fr-CH" dirty="0"/>
+              <a:t>Projet C#</a:t>
+            </a:r>
+          </a:p>
+        </p:txBody>
+      </p:sp>
+      <p:pic>
+        <p:nvPicPr>
+          <p:cNvPr id="9" name="Graphique 8" descr="Papier"/>
+          <p:cNvPicPr>
+            <a:picLocks noChangeAspect="1"/>
+          </p:cNvPicPr>
+          <p:nvPr/>
+        </p:nvPicPr>
+        <p:blipFill>
+          <a:blip r:embed="rId2">
+            <a:extLst>
+              <a:ext uri="{28A0092B-C50C-407E-A947-70E740481C1C}">
+                <a14:useLocalDpi xmlns:a14="http://schemas.microsoft.com/office/drawing/2010/main" val="0"/>
+              </a:ext>
+              <a:ext uri="{96DAC541-7B7A-43D3-8B79-37D633B846F1}">
+                <asvg:svgBlip xmlns:asvg="http://schemas.microsoft.com/office/drawing/2016/SVG/main" r:embed="rId3"/>
+              </a:ext>
+            </a:extLst>
+          </a:blip>
+          <a:stretch>
+            <a:fillRect/>
+          </a:stretch>
+        </p:blipFill>
+        <p:spPr>
+          <a:xfrm>
+            <a:off x="4427984" y="6272836"/>
+            <a:ext cx="532150" cy="532150"/>
+          </a:xfrm>
+          <a:prstGeom prst="rect">
+            <a:avLst/>
+          </a:prstGeom>
+        </p:spPr>
+      </p:pic>
     </p:spTree>
     <p:extLst>
       <p:ext uri="{BB962C8B-B14F-4D97-AF65-F5344CB8AC3E}">
@@ -4042,12 +6770,166 @@
   <p:clrMapOvr>
     <a:masterClrMapping/>
   </p:clrMapOvr>
+  <mc:AlternateContent xmlns:mc="http://schemas.openxmlformats.org/markup-compatibility/2006">
+    <mc:Choice xmlns:p15="http://schemas.microsoft.com/office/powerpoint/2012/main" Requires="p15">
+      <p:transition xmlns:p14="http://schemas.microsoft.com/office/powerpoint/2010/main" spd="slow" p14:dur="1250">
+        <p15:prstTrans prst="pageCurlDouble" invX="1"/>
+      </p:transition>
+    </mc:Choice>
+    <mc:Fallback>
+      <p:transition spd="slow">
+        <p:fade/>
+      </p:transition>
+    </mc:Fallback>
+  </mc:AlternateContent>
   <p:timing>
     <p:tnLst>
       <p:par>
-        <p:cTn id="1" dur="indefinite" restart="never" nodeType="tmRoot"/>
+        <p:cTn id="1" dur="indefinite" restart="never" nodeType="tmRoot">
+          <p:childTnLst>
+            <p:seq concurrent="1" nextAc="seek">
+              <p:cTn id="2" dur="indefinite" nodeType="mainSeq">
+                <p:childTnLst>
+                  <p:par>
+                    <p:cTn id="3" fill="hold">
+                      <p:stCondLst>
+                        <p:cond delay="indefinite"/>
+                        <p:cond evt="onBegin" delay="0">
+                          <p:tn val="2"/>
+                        </p:cond>
+                      </p:stCondLst>
+                      <p:childTnLst>
+                        <p:par>
+                          <p:cTn id="4" fill="hold">
+                            <p:stCondLst>
+                              <p:cond delay="0"/>
+                            </p:stCondLst>
+                            <p:childTnLst>
+                              <p:par>
+                                <p:cTn id="5" presetID="10" presetClass="entr" presetSubtype="0" fill="hold" grpId="0" nodeType="afterEffect">
+                                  <p:stCondLst>
+                                    <p:cond delay="0"/>
+                                  </p:stCondLst>
+                                  <p:childTnLst>
+                                    <p:set>
+                                      <p:cBhvr>
+                                        <p:cTn id="6" dur="1" fill="hold">
+                                          <p:stCondLst>
+                                            <p:cond delay="0"/>
+                                          </p:stCondLst>
+                                        </p:cTn>
+                                        <p:tgtEl>
+                                          <p:spTgt spid="3">
+                                            <p:txEl>
+                                              <p:pRg st="0" end="0"/>
+                                            </p:txEl>
+                                          </p:spTgt>
+                                        </p:tgtEl>
+                                        <p:attrNameLst>
+                                          <p:attrName>style.visibility</p:attrName>
+                                        </p:attrNameLst>
+                                      </p:cBhvr>
+                                      <p:to>
+                                        <p:strVal val="visible"/>
+                                      </p:to>
+                                    </p:set>
+                                    <p:animEffect transition="in" filter="fade">
+                                      <p:cBhvr>
+                                        <p:cTn id="7" dur="500"/>
+                                        <p:tgtEl>
+                                          <p:spTgt spid="3">
+                                            <p:txEl>
+                                              <p:pRg st="0" end="0"/>
+                                            </p:txEl>
+                                          </p:spTgt>
+                                        </p:tgtEl>
+                                      </p:cBhvr>
+                                    </p:animEffect>
+                                  </p:childTnLst>
+                                </p:cTn>
+                              </p:par>
+                            </p:childTnLst>
+                          </p:cTn>
+                        </p:par>
+                        <p:par>
+                          <p:cTn id="8" fill="hold">
+                            <p:stCondLst>
+                              <p:cond delay="500"/>
+                            </p:stCondLst>
+                            <p:childTnLst>
+                              <p:par>
+                                <p:cTn id="9" presetID="10" presetClass="entr" presetSubtype="0" fill="hold" grpId="0" nodeType="afterEffect">
+                                  <p:stCondLst>
+                                    <p:cond delay="0"/>
+                                  </p:stCondLst>
+                                  <p:childTnLst>
+                                    <p:set>
+                                      <p:cBhvr>
+                                        <p:cTn id="10" dur="1" fill="hold">
+                                          <p:stCondLst>
+                                            <p:cond delay="0"/>
+                                          </p:stCondLst>
+                                        </p:cTn>
+                                        <p:tgtEl>
+                                          <p:spTgt spid="3">
+                                            <p:txEl>
+                                              <p:pRg st="2" end="2"/>
+                                            </p:txEl>
+                                          </p:spTgt>
+                                        </p:tgtEl>
+                                        <p:attrNameLst>
+                                          <p:attrName>style.visibility</p:attrName>
+                                        </p:attrNameLst>
+                                      </p:cBhvr>
+                                      <p:to>
+                                        <p:strVal val="visible"/>
+                                      </p:to>
+                                    </p:set>
+                                    <p:animEffect transition="in" filter="fade">
+                                      <p:cBhvr>
+                                        <p:cTn id="11" dur="500"/>
+                                        <p:tgtEl>
+                                          <p:spTgt spid="3">
+                                            <p:txEl>
+                                              <p:pRg st="2" end="2"/>
+                                            </p:txEl>
+                                          </p:spTgt>
+                                        </p:tgtEl>
+                                      </p:cBhvr>
+                                    </p:animEffect>
+                                  </p:childTnLst>
+                                </p:cTn>
+                              </p:par>
+                            </p:childTnLst>
+                          </p:cTn>
+                        </p:par>
+                      </p:childTnLst>
+                    </p:cTn>
+                  </p:par>
+                </p:childTnLst>
+              </p:cTn>
+              <p:prevCondLst>
+                <p:cond evt="onPrev" delay="0">
+                  <p:tgtEl>
+                    <p:sldTgt/>
+                  </p:tgtEl>
+                </p:cond>
+              </p:prevCondLst>
+              <p:nextCondLst>
+                <p:cond evt="onNext" delay="0">
+                  <p:tgtEl>
+                    <p:sldTgt/>
+                  </p:tgtEl>
+                </p:cond>
+              </p:nextCondLst>
+            </p:seq>
+          </p:childTnLst>
+        </p:cTn>
       </p:par>
     </p:tnLst>
+    <p:bldLst>
+      <p:bldP spid="3" grpId="0" uiExpand="1" build="p"/>
+    </p:bldLst>
   </p:timing>
 </p:sld>
 </file>
@@ -4335,4 +7217,299 @@
   <a:objectDefaults/>
   <a:extraClrSchemeLst/>
 </a:theme>
+</file>
+
+<file path=ppt/theme/theme2.xml><?xml version="1.0" encoding="utf-8"?>
+<a:theme xmlns:a="http://schemas.openxmlformats.org/drawingml/2006/main" name="Thème Office">
+  <a:themeElements>
+    <a:clrScheme name="Office">
+      <a:dk1>
+        <a:sysClr val="windowText" lastClr="000000"/>
+      </a:dk1>
+      <a:lt1>
+        <a:sysClr val="window" lastClr="FFFFFF"/>
+      </a:lt1>
+      <a:dk2>
+        <a:srgbClr val="44546A"/>
+      </a:dk2>
+      <a:lt2>
+        <a:srgbClr val="E7E6E6"/>
+      </a:lt2>
+      <a:accent1>
+        <a:srgbClr val="4472C4"/>
+      </a:accent1>
+      <a:accent2>
+        <a:srgbClr val="ED7D31"/>
+      </a:accent2>
+      <a:accent3>
+        <a:srgbClr val="A5A5A5"/>
+      </a:accent3>
+      <a:accent4>
+        <a:srgbClr val="FFC000"/>
+      </a:accent4>
+      <a:accent5>
+        <a:srgbClr val="5B9BD5"/>
+      </a:accent5>
+      <a:accent6>
+        <a:srgbClr val="70AD47"/>
+      </a:accent6>
+      <a:hlink>
+        <a:srgbClr val="0563C1"/>
+      </a:hlink>
+      <a:folHlink>
+        <a:srgbClr val="954F72"/>
+      </a:folHlink>
+    </a:clrScheme>
+    <a:fontScheme name="Office">
+      <a:majorFont>
+        <a:latin typeface="Calibri Light" panose="020F0302020204030204"/>
+        <a:ea typeface=""/>
+        <a:cs typeface=""/>
+        <a:font script="Jpan" typeface="游ゴシック Light"/>
+        <a:font script="Hang" typeface="맑은 고딕"/>
+        <a:font script="Hans" typeface="等线 Light"/>
+        <a:font script="Hant" typeface="新細明體"/>
+        <a:font script="Arab" typeface="Times New Roman"/>
+        <a:font script="Hebr" typeface="Times New Roman"/>
+        <a:font script="Thai" typeface="Angsana New"/>
+        <a:font script="Ethi" typeface="Nyala"/>
+        <a:font script="Beng" typeface="Vrinda"/>
+        <a:font script="Gujr" typeface="Shruti"/>
+        <a:font script="Khmr" typeface="MoolBoran"/>
+        <a:font script="Knda" typeface="Tunga"/>
+        <a:font script="Guru" typeface="Raavi"/>
+        <a:font script="Cans" typeface="Euphemia"/>
+        <a:font script="Cher" typeface="Plantagenet Cherokee"/>
+        <a:font script="Yiii" typeface="Microsoft Yi Baiti"/>
+        <a:font script="Tibt" typeface="Microsoft Himalaya"/>
+        <a:font script="Thaa" typeface="MV Boli"/>
+        <a:font script="Deva" typeface="Mangal"/>
+        <a:font script="Telu" typeface="Gautami"/>
+        <a:font script="Taml" typeface="Latha"/>
+        <a:font script="Syrc" typeface="Estrangelo Edessa"/>
+        <a:font script="Orya" typeface="Kalinga"/>
+        <a:font script="Mlym" typeface="Kartika"/>
+        <a:font script="Laoo" typeface="DokChampa"/>
+        <a:font script="Sinh" typeface="Iskoola Pota"/>
+        <a:font script="Mong" typeface="Mongolian Baiti"/>
+        <a:font script="Viet" typeface="Times New Roman"/>
+        <a:font script="Uigh" typeface="Microsoft Uighur"/>
+        <a:font script="Geor" typeface="Sylfaen"/>
+        <a:font script="Armn" typeface="Arial"/>
+        <a:font script="Bugi" typeface="Leelawadee UI"/>
+        <a:font script="Bopo" typeface="Microsoft JhengHei"/>
+        <a:font script="Java" typeface="Javanese Text"/>
+        <a:font script="Lisu" typeface="Segoe UI"/>
+        <a:font script="Mymr" typeface="Myanmar Text"/>
+        <a:font script="Nkoo" typeface="Ebrima"/>
+        <a:font script="Olck" typeface="Nirmala UI"/>
+        <a:font script="Osma" typeface="Ebrima"/>
+        <a:font script="Phag" typeface="Phagspa"/>
+        <a:font script="Syrn" typeface="Estrangelo Edessa"/>
+        <a:font script="Syrj" typeface="Estrangelo Edessa"/>
+        <a:font script="Syre" typeface="Estrangelo Edessa"/>
+        <a:font script="Sora" typeface="Nirmala UI"/>
+        <a:font script="Tale" typeface="Microsoft Tai Le"/>
+        <a:font script="Talu" typeface="Microsoft New Tai Lue"/>
+        <a:font script="Tfng" typeface="Ebrima"/>
+      </a:majorFont>
+      <a:minorFont>
+        <a:latin typeface="Calibri" panose="020F0502020204030204"/>
+        <a:ea typeface=""/>
+        <a:cs typeface=""/>
+        <a:font script="Jpan" typeface="游ゴシック"/>
+        <a:font script="Hang" typeface="맑은 고딕"/>
+        <a:font script="Hans" typeface="等线"/>
+        <a:font script="Hant" typeface="新細明體"/>
+        <a:font script="Arab" typeface="Arial"/>
+        <a:font script="Hebr" typeface="Arial"/>
+        <a:font script="Thai" typeface="Cordia New"/>
+        <a:font script="Ethi" typeface="Nyala"/>
+        <a:font script="Beng" typeface="Vrinda"/>
+        <a:font script="Gujr" typeface="Shruti"/>
+        <a:font script="Khmr" typeface="DaunPenh"/>
+        <a:font script="Knda" typeface="Tunga"/>
+        <a:font script="Guru" typeface="Raavi"/>
+        <a:font script="Cans" typeface="Euphemia"/>
+        <a:font script="Cher" typeface="Plantagenet Cherokee"/>
+        <a:font script="Yiii" typeface="Microsoft Yi Baiti"/>
+        <a:font script="Tibt" typeface="Microsoft Himalaya"/>
+        <a:font script="Thaa" typeface="MV Boli"/>
+        <a:font script="Deva" typeface="Mangal"/>
+        <a:font script="Telu" typeface="Gautami"/>
+        <a:font script="Taml" typeface="Latha"/>
+        <a:font script="Syrc" typeface="Estrangelo Edessa"/>
+        <a:font script="Orya" typeface="Kalinga"/>
+        <a:font script="Mlym" typeface="Kartika"/>
+        <a:font script="Laoo" typeface="DokChampa"/>
+        <a:font script="Sinh" typeface="Iskoola Pota"/>
+        <a:font script="Mong" typeface="Mongolian Baiti"/>
+        <a:font script="Viet" typeface="Arial"/>
+        <a:font script="Uigh" typeface="Microsoft Uighur"/>
+        <a:font script="Geor" typeface="Sylfaen"/>
+        <a:font script="Armn" typeface="Arial"/>
+        <a:font script="Bugi" typeface="Leelawadee UI"/>
+        <a:font script="Bopo" typeface="Microsoft JhengHei"/>
+        <a:font script="Java" typeface="Javanese Text"/>
+        <a:font script="Lisu" typeface="Segoe UI"/>
+        <a:font script="Mymr" typeface="Myanmar Text"/>
+        <a:font script="Nkoo" typeface="Ebrima"/>
+        <a:font script="Olck" typeface="Nirmala UI"/>
+        <a:font script="Osma" typeface="Ebrima"/>
+        <a:font script="Phag" typeface="Phagspa"/>
+        <a:font script="Syrn" typeface="Estrangelo Edessa"/>
+        <a:font script="Syrj" typeface="Estrangelo Edessa"/>
+        <a:font script="Syre" typeface="Estrangelo Edessa"/>
+        <a:font script="Sora" typeface="Nirmala UI"/>
+        <a:font script="Tale" typeface="Microsoft Tai Le"/>
+        <a:font script="Talu" typeface="Microsoft New Tai Lue"/>
+        <a:font script="Tfng" typeface="Ebrima"/>
+      </a:minorFont>
+    </a:fontScheme>
+    <a:fmtScheme name="Office">
+      <a:fillStyleLst>
+        <a:solidFill>
+          <a:schemeClr val="phClr"/>
+        </a:solidFill>
+        <a:gradFill rotWithShape="1">
+          <a:gsLst>
+            <a:gs pos="0">
+              <a:schemeClr val="phClr">
+                <a:lumMod val="110000"/>
+                <a:satMod val="105000"/>
+                <a:tint val="67000"/>
+              </a:schemeClr>
+            </a:gs>
+            <a:gs pos="50000">
+              <a:schemeClr val="phClr">
+                <a:lumMod val="105000"/>
+                <a:satMod val="103000"/>
+                <a:tint val="73000"/>
+              </a:schemeClr>
+            </a:gs>
+            <a:gs pos="100000">
+              <a:schemeClr val="phClr">
+                <a:lumMod val="105000"/>
+                <a:satMod val="109000"/>
+                <a:tint val="81000"/>
+              </a:schemeClr>
+            </a:gs>
+          </a:gsLst>
+          <a:lin ang="5400000" scaled="0"/>
+        </a:gradFill>
+        <a:gradFill rotWithShape="1">
+          <a:gsLst>
+            <a:gs pos="0">
+              <a:schemeClr val="phClr">
+                <a:satMod val="103000"/>
+                <a:lumMod val="102000"/>
+                <a:tint val="94000"/>
+              </a:schemeClr>
+            </a:gs>
+            <a:gs pos="50000">
+              <a:schemeClr val="phClr">
+                <a:satMod val="110000"/>
+                <a:lumMod val="100000"/>
+                <a:shade val="100000"/>
+              </a:schemeClr>
+            </a:gs>
+            <a:gs pos="100000">
+              <a:schemeClr val="phClr">
+                <a:lumMod val="99000"/>
+                <a:satMod val="120000"/>
+                <a:shade val="78000"/>
+              </a:schemeClr>
+            </a:gs>
+          </a:gsLst>
+          <a:lin ang="5400000" scaled="0"/>
+        </a:gradFill>
+      </a:fillStyleLst>
+      <a:lnStyleLst>
+        <a:ln w="6350" cap="flat" cmpd="sng" algn="ctr">
+          <a:solidFill>
+            <a:schemeClr val="phClr"/>
+          </a:solidFill>
+          <a:prstDash val="solid"/>
+          <a:miter lim="800000"/>
+        </a:ln>
+        <a:ln w="12700" cap="flat" cmpd="sng" algn="ctr">
+          <a:solidFill>
+            <a:schemeClr val="phClr"/>
+          </a:solidFill>
+          <a:prstDash val="solid"/>
+          <a:miter lim="800000"/>
+        </a:ln>
+        <a:ln w="19050" cap="flat" cmpd="sng" algn="ctr">
+          <a:solidFill>
+            <a:schemeClr val="phClr"/>
+          </a:solidFill>
+          <a:prstDash val="solid"/>
+          <a:miter lim="800000"/>
+        </a:ln>
+      </a:lnStyleLst>
+      <a:effectStyleLst>
+        <a:effectStyle>
+          <a:effectLst/>
+        </a:effectStyle>
+        <a:effectStyle>
+          <a:effectLst/>
+        </a:effectStyle>
+        <a:effectStyle>
+          <a:effectLst>
+            <a:outerShdw blurRad="57150" dist="19050" dir="5400000" algn="ctr" rotWithShape="0">
+              <a:srgbClr val="000000">
+                <a:alpha val="63000"/>
+              </a:srgbClr>
+            </a:outerShdw>
+          </a:effectLst>
+        </a:effectStyle>
+      </a:effectStyleLst>
+      <a:bgFillStyleLst>
+        <a:solidFill>
+          <a:schemeClr val="phClr"/>
+        </a:solidFill>
+        <a:solidFill>
+          <a:schemeClr val="phClr">
+            <a:tint val="95000"/>
+            <a:satMod val="170000"/>
+          </a:schemeClr>
+        </a:solidFill>
+        <a:gradFill rotWithShape="1">
+          <a:gsLst>
+            <a:gs pos="0">
+              <a:schemeClr val="phClr">
+                <a:tint val="93000"/>
+                <a:satMod val="150000"/>
+                <a:shade val="98000"/>
+                <a:lumMod val="102000"/>
+              </a:schemeClr>
+            </a:gs>
+            <a:gs pos="50000">
+              <a:schemeClr val="phClr">
+                <a:tint val="98000"/>
+                <a:satMod val="130000"/>
+                <a:shade val="90000"/>
+                <a:lumMod val="103000"/>
+              </a:schemeClr>
+            </a:gs>
+            <a:gs pos="100000">
+              <a:schemeClr val="phClr">
+                <a:shade val="63000"/>
+                <a:satMod val="120000"/>
+              </a:schemeClr>
+            </a:gs>
+          </a:gsLst>
+          <a:lin ang="5400000" scaled="0"/>
+        </a:gradFill>
+      </a:bgFillStyleLst>
+    </a:fmtScheme>
+  </a:themeElements>
+  <a:objectDefaults/>
+  <a:extraClrSchemeLst/>
+  <a:extLst>
+    <a:ext uri="{05A4C25C-085E-4340-85A3-A5531E510DB2}">
+      <thm15:themeFamily xmlns:thm15="http://schemas.microsoft.com/office/thememl/2012/main" name="Office Theme" id="{62F939B6-93AF-4DB8-9C6B-D6C7DFDC589F}" vid="{4A3C46E8-61CC-4603-A589-7422A47A8E4A}"/>
+    </a:ext>
+  </a:extLst>
+</a:theme>
 </file>